--- a/Project2/Resources/Powerpoint project2.pptx
+++ b/Project2/Resources/Powerpoint project2.pptx
@@ -18,6 +18,7 @@
     <p:sldId id="265" r:id="rId13"/>
     <p:sldId id="266" r:id="rId14"/>
     <p:sldId id="267" r:id="rId15"/>
+    <p:sldId id="268" r:id="rId16"/>
   </p:sldIdLst>
   <p:sldSz cx="10080625" cy="5670550"/>
   <p:notesSz cx="7559675" cy="10691812"/>
@@ -75,8 +76,8 @@
         </p:nvSpPr>
         <p:spPr>
           <a:xfrm>
-            <a:off x="504000" y="216000"/>
-            <a:ext cx="9071640" cy="647640"/>
+            <a:off x="504000" y="226080"/>
+            <a:ext cx="9072000" cy="946440"/>
           </a:xfrm>
           <a:prstGeom prst="rect">
             <a:avLst/>
@@ -112,8 +113,8 @@
         </p:nvSpPr>
         <p:spPr>
           <a:xfrm>
-            <a:off x="504000" y="1368000"/>
-            <a:ext cx="9071640" cy="1568160"/>
+            <a:off x="504000" y="1326600"/>
+            <a:ext cx="9072000" cy="1568520"/>
           </a:xfrm>
           <a:prstGeom prst="rect">
             <a:avLst/>
@@ -150,8 +151,8 @@
         </p:nvSpPr>
         <p:spPr>
           <a:xfrm>
-            <a:off x="504000" y="3085560"/>
-            <a:ext cx="9071640" cy="1568160"/>
+            <a:off x="504000" y="3044520"/>
+            <a:ext cx="9072000" cy="1568520"/>
           </a:xfrm>
           <a:prstGeom prst="rect">
             <a:avLst/>
@@ -210,8 +211,8 @@
         </p:nvSpPr>
         <p:spPr>
           <a:xfrm>
-            <a:off x="504000" y="216000"/>
-            <a:ext cx="9071640" cy="647640"/>
+            <a:off x="504000" y="226080"/>
+            <a:ext cx="9072000" cy="946440"/>
           </a:xfrm>
           <a:prstGeom prst="rect">
             <a:avLst/>
@@ -247,8 +248,8 @@
         </p:nvSpPr>
         <p:spPr>
           <a:xfrm>
-            <a:off x="504000" y="1368000"/>
-            <a:ext cx="4426920" cy="1568160"/>
+            <a:off x="504000" y="1326600"/>
+            <a:ext cx="4426920" cy="1568520"/>
           </a:xfrm>
           <a:prstGeom prst="rect">
             <a:avLst/>
@@ -285,8 +286,8 @@
         </p:nvSpPr>
         <p:spPr>
           <a:xfrm>
-            <a:off x="5152680" y="1368000"/>
-            <a:ext cx="4426920" cy="1568160"/>
+            <a:off x="5152680" y="1326600"/>
+            <a:ext cx="4426920" cy="1568520"/>
           </a:xfrm>
           <a:prstGeom prst="rect">
             <a:avLst/>
@@ -323,8 +324,8 @@
         </p:nvSpPr>
         <p:spPr>
           <a:xfrm>
-            <a:off x="5152680" y="3085560"/>
-            <a:ext cx="4426920" cy="1568160"/>
+            <a:off x="5152680" y="3044520"/>
+            <a:ext cx="4426920" cy="1568520"/>
           </a:xfrm>
           <a:prstGeom prst="rect">
             <a:avLst/>
@@ -361,8 +362,8 @@
         </p:nvSpPr>
         <p:spPr>
           <a:xfrm>
-            <a:off x="504000" y="3085560"/>
-            <a:ext cx="4426920" cy="1568160"/>
+            <a:off x="504000" y="3044520"/>
+            <a:ext cx="4426920" cy="1568520"/>
           </a:xfrm>
           <a:prstGeom prst="rect">
             <a:avLst/>
@@ -421,8 +422,8 @@
         </p:nvSpPr>
         <p:spPr>
           <a:xfrm>
-            <a:off x="504000" y="216000"/>
-            <a:ext cx="9071640" cy="647640"/>
+            <a:off x="504000" y="226080"/>
+            <a:ext cx="9072000" cy="946440"/>
           </a:xfrm>
           <a:prstGeom prst="rect">
             <a:avLst/>
@@ -458,8 +459,8 @@
         </p:nvSpPr>
         <p:spPr>
           <a:xfrm>
-            <a:off x="504000" y="1368000"/>
-            <a:ext cx="2920680" cy="1568160"/>
+            <a:off x="504000" y="1326600"/>
+            <a:ext cx="2921040" cy="1568520"/>
           </a:xfrm>
           <a:prstGeom prst="rect">
             <a:avLst/>
@@ -496,8 +497,8 @@
         </p:nvSpPr>
         <p:spPr>
           <a:xfrm>
-            <a:off x="3571200" y="1368000"/>
-            <a:ext cx="2920680" cy="1568160"/>
+            <a:off x="3571560" y="1326600"/>
+            <a:ext cx="2921040" cy="1568520"/>
           </a:xfrm>
           <a:prstGeom prst="rect">
             <a:avLst/>
@@ -534,8 +535,8 @@
         </p:nvSpPr>
         <p:spPr>
           <a:xfrm>
-            <a:off x="6638040" y="1368000"/>
-            <a:ext cx="2920680" cy="1568160"/>
+            <a:off x="6639120" y="1326600"/>
+            <a:ext cx="2921040" cy="1568520"/>
           </a:xfrm>
           <a:prstGeom prst="rect">
             <a:avLst/>
@@ -572,8 +573,8 @@
         </p:nvSpPr>
         <p:spPr>
           <a:xfrm>
-            <a:off x="6638040" y="3085560"/>
-            <a:ext cx="2920680" cy="1568160"/>
+            <a:off x="6639120" y="3044520"/>
+            <a:ext cx="2921040" cy="1568520"/>
           </a:xfrm>
           <a:prstGeom prst="rect">
             <a:avLst/>
@@ -610,8 +611,8 @@
         </p:nvSpPr>
         <p:spPr>
           <a:xfrm>
-            <a:off x="3571200" y="3085560"/>
-            <a:ext cx="2920680" cy="1568160"/>
+            <a:off x="3571560" y="3044520"/>
+            <a:ext cx="2921040" cy="1568520"/>
           </a:xfrm>
           <a:prstGeom prst="rect">
             <a:avLst/>
@@ -648,8 +649,8 @@
         </p:nvSpPr>
         <p:spPr>
           <a:xfrm>
-            <a:off x="504000" y="3085560"/>
-            <a:ext cx="2920680" cy="1568160"/>
+            <a:off x="504000" y="3044520"/>
+            <a:ext cx="2921040" cy="1568520"/>
           </a:xfrm>
           <a:prstGeom prst="rect">
             <a:avLst/>
@@ -730,8 +731,8 @@
         </p:nvSpPr>
         <p:spPr>
           <a:xfrm>
-            <a:off x="504000" y="216000"/>
-            <a:ext cx="9071640" cy="647640"/>
+            <a:off x="504000" y="226080"/>
+            <a:ext cx="9072000" cy="946440"/>
           </a:xfrm>
           <a:prstGeom prst="rect">
             <a:avLst/>
@@ -767,8 +768,8 @@
         </p:nvSpPr>
         <p:spPr>
           <a:xfrm>
-            <a:off x="504000" y="1368000"/>
-            <a:ext cx="9071640" cy="3287880"/>
+            <a:off x="504000" y="1326600"/>
+            <a:ext cx="9072000" cy="3288600"/>
           </a:xfrm>
           <a:prstGeom prst="rect">
             <a:avLst/>
@@ -826,8 +827,8 @@
         </p:nvSpPr>
         <p:spPr>
           <a:xfrm>
-            <a:off x="504000" y="216000"/>
-            <a:ext cx="9071640" cy="647640"/>
+            <a:off x="504000" y="226080"/>
+            <a:ext cx="9072000" cy="946440"/>
           </a:xfrm>
           <a:prstGeom prst="rect">
             <a:avLst/>
@@ -863,8 +864,8 @@
         </p:nvSpPr>
         <p:spPr>
           <a:xfrm>
-            <a:off x="504000" y="1368000"/>
-            <a:ext cx="9071640" cy="3287880"/>
+            <a:off x="504000" y="1326600"/>
+            <a:ext cx="9072000" cy="3288600"/>
           </a:xfrm>
           <a:prstGeom prst="rect">
             <a:avLst/>
@@ -923,8 +924,8 @@
         </p:nvSpPr>
         <p:spPr>
           <a:xfrm>
-            <a:off x="504000" y="216000"/>
-            <a:ext cx="9071640" cy="647640"/>
+            <a:off x="504000" y="226080"/>
+            <a:ext cx="9072000" cy="946440"/>
           </a:xfrm>
           <a:prstGeom prst="rect">
             <a:avLst/>
@@ -960,8 +961,8 @@
         </p:nvSpPr>
         <p:spPr>
           <a:xfrm>
-            <a:off x="504000" y="1368000"/>
-            <a:ext cx="4426920" cy="3287880"/>
+            <a:off x="504000" y="1326600"/>
+            <a:ext cx="4426920" cy="3288600"/>
           </a:xfrm>
           <a:prstGeom prst="rect">
             <a:avLst/>
@@ -998,8 +999,8 @@
         </p:nvSpPr>
         <p:spPr>
           <a:xfrm>
-            <a:off x="5152680" y="1368000"/>
-            <a:ext cx="4426920" cy="3287880"/>
+            <a:off x="5152680" y="1326600"/>
+            <a:ext cx="4426920" cy="3288600"/>
           </a:xfrm>
           <a:prstGeom prst="rect">
             <a:avLst/>
@@ -1058,8 +1059,8 @@
         </p:nvSpPr>
         <p:spPr>
           <a:xfrm>
-            <a:off x="504000" y="216000"/>
-            <a:ext cx="9071640" cy="647640"/>
+            <a:off x="504000" y="226080"/>
+            <a:ext cx="9072000" cy="946440"/>
           </a:xfrm>
           <a:prstGeom prst="rect">
             <a:avLst/>
@@ -1117,8 +1118,8 @@
         </p:nvSpPr>
         <p:spPr>
           <a:xfrm>
-            <a:off x="504000" y="216000"/>
-            <a:ext cx="9071640" cy="3003480"/>
+            <a:off x="504000" y="226080"/>
+            <a:ext cx="9072000" cy="4388400"/>
           </a:xfrm>
           <a:prstGeom prst="rect">
             <a:avLst/>
@@ -1176,8 +1177,8 @@
         </p:nvSpPr>
         <p:spPr>
           <a:xfrm>
-            <a:off x="504000" y="216000"/>
-            <a:ext cx="9071640" cy="647640"/>
+            <a:off x="504000" y="226080"/>
+            <a:ext cx="9072000" cy="946440"/>
           </a:xfrm>
           <a:prstGeom prst="rect">
             <a:avLst/>
@@ -1213,8 +1214,8 @@
         </p:nvSpPr>
         <p:spPr>
           <a:xfrm>
-            <a:off x="504000" y="1368000"/>
-            <a:ext cx="4426920" cy="1568160"/>
+            <a:off x="504000" y="1326600"/>
+            <a:ext cx="4426920" cy="1568520"/>
           </a:xfrm>
           <a:prstGeom prst="rect">
             <a:avLst/>
@@ -1251,8 +1252,8 @@
         </p:nvSpPr>
         <p:spPr>
           <a:xfrm>
-            <a:off x="504000" y="3085560"/>
-            <a:ext cx="4426920" cy="1568160"/>
+            <a:off x="504000" y="3044520"/>
+            <a:ext cx="4426920" cy="1568520"/>
           </a:xfrm>
           <a:prstGeom prst="rect">
             <a:avLst/>
@@ -1289,8 +1290,8 @@
         </p:nvSpPr>
         <p:spPr>
           <a:xfrm>
-            <a:off x="5152680" y="1368000"/>
-            <a:ext cx="4426920" cy="3287880"/>
+            <a:off x="5152680" y="1326600"/>
+            <a:ext cx="4426920" cy="3288600"/>
           </a:xfrm>
           <a:prstGeom prst="rect">
             <a:avLst/>
@@ -1349,8 +1350,8 @@
         </p:nvSpPr>
         <p:spPr>
           <a:xfrm>
-            <a:off x="504000" y="216000"/>
-            <a:ext cx="9071640" cy="647640"/>
+            <a:off x="504000" y="226080"/>
+            <a:ext cx="9072000" cy="946440"/>
           </a:xfrm>
           <a:prstGeom prst="rect">
             <a:avLst/>
@@ -1386,8 +1387,8 @@
         </p:nvSpPr>
         <p:spPr>
           <a:xfrm>
-            <a:off x="504000" y="1368000"/>
-            <a:ext cx="9071640" cy="3287880"/>
+            <a:off x="504000" y="1326600"/>
+            <a:ext cx="9072000" cy="3288600"/>
           </a:xfrm>
           <a:prstGeom prst="rect">
             <a:avLst/>
@@ -1445,8 +1446,8 @@
         </p:nvSpPr>
         <p:spPr>
           <a:xfrm>
-            <a:off x="504000" y="216000"/>
-            <a:ext cx="9071640" cy="647640"/>
+            <a:off x="504000" y="226080"/>
+            <a:ext cx="9072000" cy="946440"/>
           </a:xfrm>
           <a:prstGeom prst="rect">
             <a:avLst/>
@@ -1482,8 +1483,8 @@
         </p:nvSpPr>
         <p:spPr>
           <a:xfrm>
-            <a:off x="504000" y="1368000"/>
-            <a:ext cx="4426920" cy="3287880"/>
+            <a:off x="504000" y="1326600"/>
+            <a:ext cx="4426920" cy="3288600"/>
           </a:xfrm>
           <a:prstGeom prst="rect">
             <a:avLst/>
@@ -1520,8 +1521,8 @@
         </p:nvSpPr>
         <p:spPr>
           <a:xfrm>
-            <a:off x="5152680" y="1368000"/>
-            <a:ext cx="4426920" cy="1568160"/>
+            <a:off x="5152680" y="1326600"/>
+            <a:ext cx="4426920" cy="1568520"/>
           </a:xfrm>
           <a:prstGeom prst="rect">
             <a:avLst/>
@@ -1558,8 +1559,8 @@
         </p:nvSpPr>
         <p:spPr>
           <a:xfrm>
-            <a:off x="5152680" y="3085560"/>
-            <a:ext cx="4426920" cy="1568160"/>
+            <a:off x="5152680" y="3044520"/>
+            <a:ext cx="4426920" cy="1568520"/>
           </a:xfrm>
           <a:prstGeom prst="rect">
             <a:avLst/>
@@ -1618,8 +1619,8 @@
         </p:nvSpPr>
         <p:spPr>
           <a:xfrm>
-            <a:off x="504000" y="216000"/>
-            <a:ext cx="9071640" cy="647640"/>
+            <a:off x="504000" y="226080"/>
+            <a:ext cx="9072000" cy="946440"/>
           </a:xfrm>
           <a:prstGeom prst="rect">
             <a:avLst/>
@@ -1655,8 +1656,8 @@
         </p:nvSpPr>
         <p:spPr>
           <a:xfrm>
-            <a:off x="504000" y="1368000"/>
-            <a:ext cx="4426920" cy="1568160"/>
+            <a:off x="504000" y="1326600"/>
+            <a:ext cx="4426920" cy="1568520"/>
           </a:xfrm>
           <a:prstGeom prst="rect">
             <a:avLst/>
@@ -1693,8 +1694,8 @@
         </p:nvSpPr>
         <p:spPr>
           <a:xfrm>
-            <a:off x="5152680" y="1368000"/>
-            <a:ext cx="4426920" cy="1568160"/>
+            <a:off x="5152680" y="1326600"/>
+            <a:ext cx="4426920" cy="1568520"/>
           </a:xfrm>
           <a:prstGeom prst="rect">
             <a:avLst/>
@@ -1731,8 +1732,8 @@
         </p:nvSpPr>
         <p:spPr>
           <a:xfrm>
-            <a:off x="504000" y="3085560"/>
-            <a:ext cx="9071640" cy="1568160"/>
+            <a:off x="504000" y="3044520"/>
+            <a:ext cx="9072000" cy="1568520"/>
           </a:xfrm>
           <a:prstGeom prst="rect">
             <a:avLst/>
@@ -1791,8 +1792,8 @@
         </p:nvSpPr>
         <p:spPr>
           <a:xfrm>
-            <a:off x="504000" y="216000"/>
-            <a:ext cx="9071640" cy="647640"/>
+            <a:off x="504000" y="226080"/>
+            <a:ext cx="9072000" cy="946440"/>
           </a:xfrm>
           <a:prstGeom prst="rect">
             <a:avLst/>
@@ -1828,8 +1829,8 @@
         </p:nvSpPr>
         <p:spPr>
           <a:xfrm>
-            <a:off x="504000" y="1368000"/>
-            <a:ext cx="9071640" cy="1568160"/>
+            <a:off x="504000" y="1326600"/>
+            <a:ext cx="9072000" cy="1568520"/>
           </a:xfrm>
           <a:prstGeom prst="rect">
             <a:avLst/>
@@ -1866,8 +1867,8 @@
         </p:nvSpPr>
         <p:spPr>
           <a:xfrm>
-            <a:off x="504000" y="3085560"/>
-            <a:ext cx="9071640" cy="1568160"/>
+            <a:off x="504000" y="3044520"/>
+            <a:ext cx="9072000" cy="1568520"/>
           </a:xfrm>
           <a:prstGeom prst="rect">
             <a:avLst/>
@@ -1926,8 +1927,8 @@
         </p:nvSpPr>
         <p:spPr>
           <a:xfrm>
-            <a:off x="504000" y="216000"/>
-            <a:ext cx="9071640" cy="647640"/>
+            <a:off x="504000" y="226080"/>
+            <a:ext cx="9072000" cy="946440"/>
           </a:xfrm>
           <a:prstGeom prst="rect">
             <a:avLst/>
@@ -1963,8 +1964,8 @@
         </p:nvSpPr>
         <p:spPr>
           <a:xfrm>
-            <a:off x="504000" y="1368000"/>
-            <a:ext cx="4426920" cy="1568160"/>
+            <a:off x="504000" y="1326600"/>
+            <a:ext cx="4426920" cy="1568520"/>
           </a:xfrm>
           <a:prstGeom prst="rect">
             <a:avLst/>
@@ -2001,8 +2002,8 @@
         </p:nvSpPr>
         <p:spPr>
           <a:xfrm>
-            <a:off x="5152680" y="1368000"/>
-            <a:ext cx="4426920" cy="1568160"/>
+            <a:off x="5152680" y="1326600"/>
+            <a:ext cx="4426920" cy="1568520"/>
           </a:xfrm>
           <a:prstGeom prst="rect">
             <a:avLst/>
@@ -2039,8 +2040,8 @@
         </p:nvSpPr>
         <p:spPr>
           <a:xfrm>
-            <a:off x="5152680" y="3085560"/>
-            <a:ext cx="4426920" cy="1568160"/>
+            <a:off x="5152680" y="3044520"/>
+            <a:ext cx="4426920" cy="1568520"/>
           </a:xfrm>
           <a:prstGeom prst="rect">
             <a:avLst/>
@@ -2077,8 +2078,8 @@
         </p:nvSpPr>
         <p:spPr>
           <a:xfrm>
-            <a:off x="504000" y="3085560"/>
-            <a:ext cx="4426920" cy="1568160"/>
+            <a:off x="504000" y="3044520"/>
+            <a:ext cx="4426920" cy="1568520"/>
           </a:xfrm>
           <a:prstGeom prst="rect">
             <a:avLst/>
@@ -2137,8 +2138,8 @@
         </p:nvSpPr>
         <p:spPr>
           <a:xfrm>
-            <a:off x="504000" y="216000"/>
-            <a:ext cx="9071640" cy="647640"/>
+            <a:off x="504000" y="226080"/>
+            <a:ext cx="9072000" cy="946440"/>
           </a:xfrm>
           <a:prstGeom prst="rect">
             <a:avLst/>
@@ -2174,8 +2175,8 @@
         </p:nvSpPr>
         <p:spPr>
           <a:xfrm>
-            <a:off x="504000" y="1368000"/>
-            <a:ext cx="2920680" cy="1568160"/>
+            <a:off x="504000" y="1326600"/>
+            <a:ext cx="2921040" cy="1568520"/>
           </a:xfrm>
           <a:prstGeom prst="rect">
             <a:avLst/>
@@ -2212,8 +2213,8 @@
         </p:nvSpPr>
         <p:spPr>
           <a:xfrm>
-            <a:off x="3571200" y="1368000"/>
-            <a:ext cx="2920680" cy="1568160"/>
+            <a:off x="3571560" y="1326600"/>
+            <a:ext cx="2921040" cy="1568520"/>
           </a:xfrm>
           <a:prstGeom prst="rect">
             <a:avLst/>
@@ -2250,8 +2251,8 @@
         </p:nvSpPr>
         <p:spPr>
           <a:xfrm>
-            <a:off x="6638040" y="1368000"/>
-            <a:ext cx="2920680" cy="1568160"/>
+            <a:off x="6639120" y="1326600"/>
+            <a:ext cx="2921040" cy="1568520"/>
           </a:xfrm>
           <a:prstGeom prst="rect">
             <a:avLst/>
@@ -2288,8 +2289,8 @@
         </p:nvSpPr>
         <p:spPr>
           <a:xfrm>
-            <a:off x="6638040" y="3085560"/>
-            <a:ext cx="2920680" cy="1568160"/>
+            <a:off x="6639120" y="3044520"/>
+            <a:ext cx="2921040" cy="1568520"/>
           </a:xfrm>
           <a:prstGeom prst="rect">
             <a:avLst/>
@@ -2326,8 +2327,8 @@
         </p:nvSpPr>
         <p:spPr>
           <a:xfrm>
-            <a:off x="3571200" y="3085560"/>
-            <a:ext cx="2920680" cy="1568160"/>
+            <a:off x="3571560" y="3044520"/>
+            <a:ext cx="2921040" cy="1568520"/>
           </a:xfrm>
           <a:prstGeom prst="rect">
             <a:avLst/>
@@ -2364,8 +2365,8 @@
         </p:nvSpPr>
         <p:spPr>
           <a:xfrm>
-            <a:off x="504000" y="3085560"/>
-            <a:ext cx="2920680" cy="1568160"/>
+            <a:off x="504000" y="3044520"/>
+            <a:ext cx="2921040" cy="1568520"/>
           </a:xfrm>
           <a:prstGeom prst="rect">
             <a:avLst/>
@@ -2424,8 +2425,8 @@
         </p:nvSpPr>
         <p:spPr>
           <a:xfrm>
-            <a:off x="504000" y="216000"/>
-            <a:ext cx="9071640" cy="647640"/>
+            <a:off x="504000" y="226080"/>
+            <a:ext cx="9072000" cy="946440"/>
           </a:xfrm>
           <a:prstGeom prst="rect">
             <a:avLst/>
@@ -2461,8 +2462,8 @@
         </p:nvSpPr>
         <p:spPr>
           <a:xfrm>
-            <a:off x="504000" y="1368000"/>
-            <a:ext cx="9071640" cy="3287880"/>
+            <a:off x="504000" y="1326600"/>
+            <a:ext cx="9072000" cy="3288600"/>
           </a:xfrm>
           <a:prstGeom prst="rect">
             <a:avLst/>
@@ -2521,8 +2522,8 @@
         </p:nvSpPr>
         <p:spPr>
           <a:xfrm>
-            <a:off x="504000" y="216000"/>
-            <a:ext cx="9071640" cy="647640"/>
+            <a:off x="504000" y="226080"/>
+            <a:ext cx="9072000" cy="946440"/>
           </a:xfrm>
           <a:prstGeom prst="rect">
             <a:avLst/>
@@ -2558,8 +2559,8 @@
         </p:nvSpPr>
         <p:spPr>
           <a:xfrm>
-            <a:off x="504000" y="1368000"/>
-            <a:ext cx="4426920" cy="3287880"/>
+            <a:off x="504000" y="1326600"/>
+            <a:ext cx="4426920" cy="3288600"/>
           </a:xfrm>
           <a:prstGeom prst="rect">
             <a:avLst/>
@@ -2596,8 +2597,8 @@
         </p:nvSpPr>
         <p:spPr>
           <a:xfrm>
-            <a:off x="5152680" y="1368000"/>
-            <a:ext cx="4426920" cy="3287880"/>
+            <a:off x="5152680" y="1326600"/>
+            <a:ext cx="4426920" cy="3288600"/>
           </a:xfrm>
           <a:prstGeom prst="rect">
             <a:avLst/>
@@ -2656,8 +2657,8 @@
         </p:nvSpPr>
         <p:spPr>
           <a:xfrm>
-            <a:off x="504000" y="216000"/>
-            <a:ext cx="9071640" cy="647640"/>
+            <a:off x="504000" y="226080"/>
+            <a:ext cx="9072000" cy="946440"/>
           </a:xfrm>
           <a:prstGeom prst="rect">
             <a:avLst/>
@@ -2715,8 +2716,8 @@
         </p:nvSpPr>
         <p:spPr>
           <a:xfrm>
-            <a:off x="504000" y="216000"/>
-            <a:ext cx="9071640" cy="3003480"/>
+            <a:off x="504000" y="226080"/>
+            <a:ext cx="9072000" cy="4388400"/>
           </a:xfrm>
           <a:prstGeom prst="rect">
             <a:avLst/>
@@ -2774,8 +2775,8 @@
         </p:nvSpPr>
         <p:spPr>
           <a:xfrm>
-            <a:off x="504000" y="216000"/>
-            <a:ext cx="9071640" cy="647640"/>
+            <a:off x="504000" y="226080"/>
+            <a:ext cx="9072000" cy="946440"/>
           </a:xfrm>
           <a:prstGeom prst="rect">
             <a:avLst/>
@@ -2811,8 +2812,8 @@
         </p:nvSpPr>
         <p:spPr>
           <a:xfrm>
-            <a:off x="504000" y="1368000"/>
-            <a:ext cx="4426920" cy="1568160"/>
+            <a:off x="504000" y="1326600"/>
+            <a:ext cx="4426920" cy="1568520"/>
           </a:xfrm>
           <a:prstGeom prst="rect">
             <a:avLst/>
@@ -2849,8 +2850,8 @@
         </p:nvSpPr>
         <p:spPr>
           <a:xfrm>
-            <a:off x="504000" y="3085560"/>
-            <a:ext cx="4426920" cy="1568160"/>
+            <a:off x="504000" y="3044520"/>
+            <a:ext cx="4426920" cy="1568520"/>
           </a:xfrm>
           <a:prstGeom prst="rect">
             <a:avLst/>
@@ -2887,8 +2888,8 @@
         </p:nvSpPr>
         <p:spPr>
           <a:xfrm>
-            <a:off x="5152680" y="1368000"/>
-            <a:ext cx="4426920" cy="3287880"/>
+            <a:off x="5152680" y="1326600"/>
+            <a:ext cx="4426920" cy="3288600"/>
           </a:xfrm>
           <a:prstGeom prst="rect">
             <a:avLst/>
@@ -2947,8 +2948,8 @@
         </p:nvSpPr>
         <p:spPr>
           <a:xfrm>
-            <a:off x="504000" y="216000"/>
-            <a:ext cx="9071640" cy="647640"/>
+            <a:off x="504000" y="226080"/>
+            <a:ext cx="9072000" cy="946440"/>
           </a:xfrm>
           <a:prstGeom prst="rect">
             <a:avLst/>
@@ -2984,8 +2985,8 @@
         </p:nvSpPr>
         <p:spPr>
           <a:xfrm>
-            <a:off x="504000" y="1368000"/>
-            <a:ext cx="4426920" cy="3287880"/>
+            <a:off x="504000" y="1326600"/>
+            <a:ext cx="4426920" cy="3288600"/>
           </a:xfrm>
           <a:prstGeom prst="rect">
             <a:avLst/>
@@ -3022,8 +3023,8 @@
         </p:nvSpPr>
         <p:spPr>
           <a:xfrm>
-            <a:off x="5152680" y="1368000"/>
-            <a:ext cx="4426920" cy="1568160"/>
+            <a:off x="5152680" y="1326600"/>
+            <a:ext cx="4426920" cy="1568520"/>
           </a:xfrm>
           <a:prstGeom prst="rect">
             <a:avLst/>
@@ -3060,8 +3061,8 @@
         </p:nvSpPr>
         <p:spPr>
           <a:xfrm>
-            <a:off x="5152680" y="3085560"/>
-            <a:ext cx="4426920" cy="1568160"/>
+            <a:off x="5152680" y="3044520"/>
+            <a:ext cx="4426920" cy="1568520"/>
           </a:xfrm>
           <a:prstGeom prst="rect">
             <a:avLst/>
@@ -3120,8 +3121,8 @@
         </p:nvSpPr>
         <p:spPr>
           <a:xfrm>
-            <a:off x="504000" y="216000"/>
-            <a:ext cx="9071640" cy="647640"/>
+            <a:off x="504000" y="226080"/>
+            <a:ext cx="9072000" cy="946440"/>
           </a:xfrm>
           <a:prstGeom prst="rect">
             <a:avLst/>
@@ -3157,8 +3158,8 @@
         </p:nvSpPr>
         <p:spPr>
           <a:xfrm>
-            <a:off x="504000" y="1368000"/>
-            <a:ext cx="4426920" cy="1568160"/>
+            <a:off x="504000" y="1326600"/>
+            <a:ext cx="4426920" cy="1568520"/>
           </a:xfrm>
           <a:prstGeom prst="rect">
             <a:avLst/>
@@ -3195,8 +3196,8 @@
         </p:nvSpPr>
         <p:spPr>
           <a:xfrm>
-            <a:off x="5152680" y="1368000"/>
-            <a:ext cx="4426920" cy="1568160"/>
+            <a:off x="5152680" y="1326600"/>
+            <a:ext cx="4426920" cy="1568520"/>
           </a:xfrm>
           <a:prstGeom prst="rect">
             <a:avLst/>
@@ -3233,8 +3234,8 @@
         </p:nvSpPr>
         <p:spPr>
           <a:xfrm>
-            <a:off x="504000" y="3085560"/>
-            <a:ext cx="9071640" cy="1568160"/>
+            <a:off x="504000" y="3044520"/>
+            <a:ext cx="9072000" cy="1568520"/>
           </a:xfrm>
           <a:prstGeom prst="rect">
             <a:avLst/>
@@ -3294,7 +3295,7 @@
         <p:spPr>
           <a:xfrm>
             <a:off x="360" y="360"/>
-            <a:ext cx="10078560" cy="5672880"/>
+            <a:ext cx="10078200" cy="5672520"/>
           </a:xfrm>
           <a:prstGeom prst="rect">
             <a:avLst/>
@@ -3317,7 +3318,7 @@
         <p:spPr>
           <a:xfrm>
             <a:off x="504000" y="216000"/>
-            <a:ext cx="9071640" cy="647640"/>
+            <a:ext cx="9071280" cy="647280"/>
           </a:xfrm>
           <a:prstGeom prst="rect">
             <a:avLst/>
@@ -3366,8 +3367,8 @@
         </p:nvSpPr>
         <p:spPr>
           <a:xfrm>
-            <a:off x="504000" y="1326600"/>
-            <a:ext cx="9072000" cy="3288600"/>
+            <a:off x="504000" y="1368000"/>
+            <a:ext cx="9071280" cy="3287520"/>
           </a:xfrm>
           <a:prstGeom prst="rect">
             <a:avLst/>
@@ -3390,7 +3391,7 @@
               <a:buChar char=""/>
             </a:pPr>
             <a:r>
-              <a:rPr b="0" lang="sv-SE" sz="3200" spc="-1" strike="noStrike">
+              <a:rPr b="0" lang="sv-SE" sz="1800" spc="-1" strike="noStrike">
                 <a:solidFill>
                   <a:srgbClr val="000000"/>
                 </a:solidFill>
@@ -3403,7 +3404,7 @@
               </a:rPr>
               <a:t>Klicka för att redigera dispositionstextens format</a:t>
             </a:r>
-            <a:endParaRPr b="0" lang="sv-SE" sz="3200" spc="-1" strike="noStrike">
+            <a:endParaRPr b="0" lang="sv-SE" sz="1800" spc="-1" strike="noStrike">
               <a:solidFill>
                 <a:srgbClr val="000000"/>
               </a:solidFill>
@@ -3428,7 +3429,7 @@
               <a:buChar char=""/>
             </a:pPr>
             <a:r>
-              <a:rPr b="0" lang="sv-SE" sz="2800" spc="-1" strike="noStrike">
+              <a:rPr b="0" lang="sv-SE" sz="1800" spc="-1" strike="noStrike">
                 <a:solidFill>
                   <a:srgbClr val="000000"/>
                 </a:solidFill>
@@ -3441,7 +3442,7 @@
               </a:rPr>
               <a:t>Andra dispositionsnivån</a:t>
             </a:r>
-            <a:endParaRPr b="0" lang="sv-SE" sz="2800" spc="-1" strike="noStrike">
+            <a:endParaRPr b="0" lang="sv-SE" sz="1800" spc="-1" strike="noStrike">
               <a:solidFill>
                 <a:srgbClr val="000000"/>
               </a:solidFill>
@@ -3466,7 +3467,7 @@
               <a:buChar char=""/>
             </a:pPr>
             <a:r>
-              <a:rPr b="0" lang="sv-SE" sz="2400" spc="-1" strike="noStrike">
+              <a:rPr b="0" lang="sv-SE" sz="1800" spc="-1" strike="noStrike">
                 <a:solidFill>
                   <a:srgbClr val="000000"/>
                 </a:solidFill>
@@ -3479,7 +3480,7 @@
               </a:rPr>
               <a:t>Tredje dispositionsnivån</a:t>
             </a:r>
-            <a:endParaRPr b="0" lang="sv-SE" sz="2400" spc="-1" strike="noStrike">
+            <a:endParaRPr b="0" lang="sv-SE" sz="1800" spc="-1" strike="noStrike">
               <a:solidFill>
                 <a:srgbClr val="000000"/>
               </a:solidFill>
@@ -3504,7 +3505,7 @@
               <a:buChar char=""/>
             </a:pPr>
             <a:r>
-              <a:rPr b="0" lang="sv-SE" sz="2000" spc="-1" strike="noStrike">
+              <a:rPr b="0" lang="sv-SE" sz="1800" spc="-1" strike="noStrike">
                 <a:solidFill>
                   <a:srgbClr val="000000"/>
                 </a:solidFill>
@@ -3517,7 +3518,7 @@
               </a:rPr>
               <a:t>Fjärde dispositionsnivån</a:t>
             </a:r>
-            <a:endParaRPr b="0" lang="sv-SE" sz="2000" spc="-1" strike="noStrike">
+            <a:endParaRPr b="0" lang="sv-SE" sz="1800" spc="-1" strike="noStrike">
               <a:solidFill>
                 <a:srgbClr val="000000"/>
               </a:solidFill>
@@ -3542,7 +3543,7 @@
               <a:buChar char=""/>
             </a:pPr>
             <a:r>
-              <a:rPr b="0" lang="sv-SE" sz="2000" spc="-1" strike="noStrike">
+              <a:rPr b="0" lang="sv-SE" sz="1800" spc="-1" strike="noStrike">
                 <a:solidFill>
                   <a:srgbClr val="000000"/>
                 </a:solidFill>
@@ -3555,7 +3556,7 @@
               </a:rPr>
               <a:t>Femte dispositionsnivån</a:t>
             </a:r>
-            <a:endParaRPr b="0" lang="sv-SE" sz="2000" spc="-1" strike="noStrike">
+            <a:endParaRPr b="0" lang="sv-SE" sz="1800" spc="-1" strike="noStrike">
               <a:solidFill>
                 <a:srgbClr val="000000"/>
               </a:solidFill>
@@ -3580,7 +3581,7 @@
               <a:buChar char=""/>
             </a:pPr>
             <a:r>
-              <a:rPr b="0" lang="sv-SE" sz="2000" spc="-1" strike="noStrike">
+              <a:rPr b="0" lang="sv-SE" sz="1800" spc="-1" strike="noStrike">
                 <a:solidFill>
                   <a:srgbClr val="000000"/>
                 </a:solidFill>
@@ -3593,7 +3594,7 @@
               </a:rPr>
               <a:t>Sjätte dispositionsnivån</a:t>
             </a:r>
-            <a:endParaRPr b="0" lang="sv-SE" sz="2000" spc="-1" strike="noStrike">
+            <a:endParaRPr b="0" lang="sv-SE" sz="1800" spc="-1" strike="noStrike">
               <a:solidFill>
                 <a:srgbClr val="000000"/>
               </a:solidFill>
@@ -3618,7 +3619,7 @@
               <a:buChar char=""/>
             </a:pPr>
             <a:r>
-              <a:rPr b="0" lang="sv-SE" sz="2000" spc="-1" strike="noStrike">
+              <a:rPr b="0" lang="sv-SE" sz="1800" spc="-1" strike="noStrike">
                 <a:solidFill>
                   <a:srgbClr val="000000"/>
                 </a:solidFill>
@@ -3631,7 +3632,7 @@
               </a:rPr>
               <a:t>Sjunde dispositionsnivån</a:t>
             </a:r>
-            <a:endParaRPr b="0" lang="sv-SE" sz="2000" spc="-1" strike="noStrike">
+            <a:endParaRPr b="0" lang="sv-SE" sz="1800" spc="-1" strike="noStrike">
               <a:solidFill>
                 <a:srgbClr val="000000"/>
               </a:solidFill>
@@ -3695,7 +3696,7 @@
         <p:spPr>
           <a:xfrm>
             <a:off x="360" y="360"/>
-            <a:ext cx="10078560" cy="5672880"/>
+            <a:ext cx="10078200" cy="5672520"/>
           </a:xfrm>
           <a:prstGeom prst="rect">
             <a:avLst/>
@@ -3717,8 +3718,8 @@
         </p:nvSpPr>
         <p:spPr>
           <a:xfrm>
-            <a:off x="504000" y="216000"/>
-            <a:ext cx="9071640" cy="647640"/>
+            <a:off x="504000" y="226080"/>
+            <a:ext cx="9072000" cy="946440"/>
           </a:xfrm>
           <a:prstGeom prst="rect">
             <a:avLst/>
@@ -3727,8 +3728,9 @@
         <p:txBody>
           <a:bodyPr lIns="0" rIns="0" tIns="0" bIns="0" anchor="ctr"/>
           <a:p>
+            <a:pPr algn="ctr"/>
             <a:r>
-              <a:rPr b="0" lang="sv-SE" sz="1800" spc="-1" strike="noStrike">
+              <a:rPr b="0" lang="sv-SE" sz="4400" spc="-1" strike="noStrike">
                 <a:solidFill>
                   <a:srgbClr val="000000"/>
                 </a:solidFill>
@@ -3741,7 +3743,7 @@
               </a:rPr>
               <a:t>Klicka för att redigera rubriktextens format</a:t>
             </a:r>
-            <a:endParaRPr b="0" lang="sv-SE" sz="1800" spc="-1" strike="noStrike">
+            <a:endParaRPr b="0" lang="sv-SE" sz="4400" spc="-1" strike="noStrike">
               <a:solidFill>
                 <a:srgbClr val="000000"/>
               </a:solidFill>
@@ -3767,8 +3769,8 @@
         </p:nvSpPr>
         <p:spPr>
           <a:xfrm>
-            <a:off x="504000" y="1368000"/>
-            <a:ext cx="9071640" cy="3287880"/>
+            <a:off x="504000" y="1326600"/>
+            <a:ext cx="9072000" cy="3288600"/>
           </a:xfrm>
           <a:prstGeom prst="rect">
             <a:avLst/>
@@ -3791,7 +3793,7 @@
               <a:buChar char=""/>
             </a:pPr>
             <a:r>
-              <a:rPr b="0" lang="sv-SE" sz="1800" spc="-1" strike="noStrike">
+              <a:rPr b="0" lang="sv-SE" sz="3200" spc="-1" strike="noStrike">
                 <a:solidFill>
                   <a:srgbClr val="000000"/>
                 </a:solidFill>
@@ -3804,7 +3806,7 @@
               </a:rPr>
               <a:t>Klicka för att redigera dispositionstextens format</a:t>
             </a:r>
-            <a:endParaRPr b="0" lang="sv-SE" sz="1800" spc="-1" strike="noStrike">
+            <a:endParaRPr b="0" lang="sv-SE" sz="3200" spc="-1" strike="noStrike">
               <a:solidFill>
                 <a:srgbClr val="000000"/>
               </a:solidFill>
@@ -3829,7 +3831,7 @@
               <a:buChar char=""/>
             </a:pPr>
             <a:r>
-              <a:rPr b="0" lang="sv-SE" sz="1800" spc="-1" strike="noStrike">
+              <a:rPr b="0" lang="sv-SE" sz="2800" spc="-1" strike="noStrike">
                 <a:solidFill>
                   <a:srgbClr val="000000"/>
                 </a:solidFill>
@@ -3842,7 +3844,7 @@
               </a:rPr>
               <a:t>Andra dispositionsnivån</a:t>
             </a:r>
-            <a:endParaRPr b="0" lang="sv-SE" sz="1800" spc="-1" strike="noStrike">
+            <a:endParaRPr b="0" lang="sv-SE" sz="2800" spc="-1" strike="noStrike">
               <a:solidFill>
                 <a:srgbClr val="000000"/>
               </a:solidFill>
@@ -3867,7 +3869,7 @@
               <a:buChar char=""/>
             </a:pPr>
             <a:r>
-              <a:rPr b="0" lang="sv-SE" sz="1800" spc="-1" strike="noStrike">
+              <a:rPr b="0" lang="sv-SE" sz="2400" spc="-1" strike="noStrike">
                 <a:solidFill>
                   <a:srgbClr val="000000"/>
                 </a:solidFill>
@@ -3880,7 +3882,7 @@
               </a:rPr>
               <a:t>Tredje dispositionsnivån</a:t>
             </a:r>
-            <a:endParaRPr b="0" lang="sv-SE" sz="1800" spc="-1" strike="noStrike">
+            <a:endParaRPr b="0" lang="sv-SE" sz="2400" spc="-1" strike="noStrike">
               <a:solidFill>
                 <a:srgbClr val="000000"/>
               </a:solidFill>
@@ -3905,7 +3907,7 @@
               <a:buChar char=""/>
             </a:pPr>
             <a:r>
-              <a:rPr b="0" lang="sv-SE" sz="1800" spc="-1" strike="noStrike">
+              <a:rPr b="0" lang="sv-SE" sz="2000" spc="-1" strike="noStrike">
                 <a:solidFill>
                   <a:srgbClr val="000000"/>
                 </a:solidFill>
@@ -3918,7 +3920,7 @@
               </a:rPr>
               <a:t>Fjärde dispositionsnivån</a:t>
             </a:r>
-            <a:endParaRPr b="0" lang="sv-SE" sz="1800" spc="-1" strike="noStrike">
+            <a:endParaRPr b="0" lang="sv-SE" sz="2000" spc="-1" strike="noStrike">
               <a:solidFill>
                 <a:srgbClr val="000000"/>
               </a:solidFill>
@@ -3943,7 +3945,7 @@
               <a:buChar char=""/>
             </a:pPr>
             <a:r>
-              <a:rPr b="0" lang="sv-SE" sz="1800" spc="-1" strike="noStrike">
+              <a:rPr b="0" lang="sv-SE" sz="2000" spc="-1" strike="noStrike">
                 <a:solidFill>
                   <a:srgbClr val="000000"/>
                 </a:solidFill>
@@ -3956,7 +3958,7 @@
               </a:rPr>
               <a:t>Femte dispositionsnivån</a:t>
             </a:r>
-            <a:endParaRPr b="0" lang="sv-SE" sz="1800" spc="-1" strike="noStrike">
+            <a:endParaRPr b="0" lang="sv-SE" sz="2000" spc="-1" strike="noStrike">
               <a:solidFill>
                 <a:srgbClr val="000000"/>
               </a:solidFill>
@@ -3981,7 +3983,7 @@
               <a:buChar char=""/>
             </a:pPr>
             <a:r>
-              <a:rPr b="0" lang="sv-SE" sz="1800" spc="-1" strike="noStrike">
+              <a:rPr b="0" lang="sv-SE" sz="2000" spc="-1" strike="noStrike">
                 <a:solidFill>
                   <a:srgbClr val="000000"/>
                 </a:solidFill>
@@ -3994,7 +3996,7 @@
               </a:rPr>
               <a:t>Sjätte dispositionsnivån</a:t>
             </a:r>
-            <a:endParaRPr b="0" lang="sv-SE" sz="1800" spc="-1" strike="noStrike">
+            <a:endParaRPr b="0" lang="sv-SE" sz="2000" spc="-1" strike="noStrike">
               <a:solidFill>
                 <a:srgbClr val="000000"/>
               </a:solidFill>
@@ -4019,7 +4021,7 @@
               <a:buChar char=""/>
             </a:pPr>
             <a:r>
-              <a:rPr b="0" lang="sv-SE" sz="1800" spc="-1" strike="noStrike">
+              <a:rPr b="0" lang="sv-SE" sz="2000" spc="-1" strike="noStrike">
                 <a:solidFill>
                   <a:srgbClr val="000000"/>
                 </a:solidFill>
@@ -4032,7 +4034,7 @@
               </a:rPr>
               <a:t>Sjunde dispositionsnivån</a:t>
             </a:r>
-            <a:endParaRPr b="0" lang="sv-SE" sz="1800" spc="-1" strike="noStrike">
+            <a:endParaRPr b="0" lang="sv-SE" sz="2000" spc="-1" strike="noStrike">
               <a:solidFill>
                 <a:srgbClr val="000000"/>
               </a:solidFill>
@@ -4092,7 +4094,7 @@
         <p:spPr>
           <a:xfrm>
             <a:off x="504000" y="216000"/>
-            <a:ext cx="9071640" cy="647640"/>
+            <a:ext cx="9071280" cy="647280"/>
           </a:xfrm>
           <a:prstGeom prst="rect">
             <a:avLst/>
@@ -4127,6 +4129,7 @@
                   </a:solidFill>
                 </a:uFill>
                 <a:latin typeface="Arial"/>
+                <a:ea typeface="DejaVu Sans"/>
               </a:rPr>
               <a:t>Dragon’s Cave – a shopping application</a:t>
             </a:r>
@@ -4157,7 +4160,7 @@
         <p:spPr>
           <a:xfrm>
             <a:off x="1816200" y="1347480"/>
-            <a:ext cx="5815440" cy="3620160"/>
+            <a:ext cx="5815080" cy="3619800"/>
           </a:xfrm>
           <a:prstGeom prst="rect">
             <a:avLst/>
@@ -4218,14 +4221,14 @@
       </p:grpSpPr>
       <p:sp>
         <p:nvSpPr>
-          <p:cNvPr id="96" name="CustomShape 1"/>
+          <p:cNvPr id="97" name="CustomShape 1"/>
           <p:cNvSpPr/>
           <p:nvPr/>
         </p:nvSpPr>
         <p:spPr>
           <a:xfrm>
             <a:off x="504000" y="216000"/>
-            <a:ext cx="9071640" cy="647640"/>
+            <a:ext cx="9071280" cy="647280"/>
           </a:xfrm>
           <a:prstGeom prst="rect">
             <a:avLst/>
@@ -4260,8 +4263,9 @@
                   </a:solidFill>
                 </a:uFill>
                 <a:latin typeface="Arial"/>
+                <a:ea typeface="DejaVu Sans"/>
               </a:rPr>
-              <a:t>Projektet - Erfarenheter</a:t>
+              <a:t>EER</a:t>
             </a:r>
             <a:endParaRPr b="0" lang="sv-SE" sz="3300" spc="-1" strike="noStrike">
               <a:solidFill>
@@ -4277,283 +4281,29 @@
           </a:p>
         </p:txBody>
       </p:sp>
-      <p:sp>
-        <p:nvSpPr>
-          <p:cNvPr id="97" name="CustomShape 2"/>
-          <p:cNvSpPr/>
+      <p:pic>
+        <p:nvPicPr>
+          <p:cNvPr id="98" name="" descr=""/>
+          <p:cNvPicPr/>
           <p:nvPr/>
-        </p:nvSpPr>
-        <p:spPr>
-          <a:xfrm>
-            <a:off x="504000" y="1368000"/>
-            <a:ext cx="9071640" cy="3287880"/>
-          </a:xfrm>
-          <a:prstGeom prst="rect">
-            <a:avLst/>
-          </a:prstGeom>
-          <a:noFill/>
+        </p:nvPicPr>
+        <p:blipFill>
+          <a:blip r:embed="rId1"/>
+          <a:stretch/>
+        </p:blipFill>
+        <p:spPr>
+          <a:xfrm>
+            <a:off x="2232000" y="1080000"/>
+            <a:ext cx="5687280" cy="4348440"/>
+          </a:xfrm>
+          <a:prstGeom prst="rect">
+            <a:avLst/>
+          </a:prstGeom>
           <a:ln>
             <a:noFill/>
           </a:ln>
         </p:spPr>
-        <p:style>
-          <a:lnRef idx="0"/>
-          <a:fillRef idx="0"/>
-          <a:effectRef idx="0"/>
-          <a:fontRef idx="minor"/>
-        </p:style>
-        <p:txBody>
-          <a:bodyPr lIns="0" rIns="0" tIns="0" bIns="0">
-            <a:normAutofit/>
-          </a:bodyPr>
-          <a:p>
-            <a:pPr marL="432000" indent="-323640">
-              <a:lnSpc>
-                <a:spcPct val="100000"/>
-              </a:lnSpc>
-              <a:spcAft>
-                <a:spcPts val="1060"/>
-              </a:spcAft>
-              <a:buClr>
-                <a:srgbClr val="006600"/>
-              </a:buClr>
-              <a:buSzPct val="45000"/>
-              <a:buFont typeface="Wingdings" charset="2"/>
-              <a:buChar char=""/>
-            </a:pPr>
-            <a:r>
-              <a:rPr b="0" lang="sv-SE" sz="2400" spc="-1" strike="noStrike">
-                <a:solidFill>
-                  <a:srgbClr val="000000"/>
-                </a:solidFill>
-                <a:uFill>
-                  <a:solidFill>
-                    <a:srgbClr val="ffffff"/>
-                  </a:solidFill>
-                </a:uFill>
-                <a:latin typeface="Arial"/>
-              </a:rPr>
-              <a:t>Samarbete</a:t>
-            </a:r>
-            <a:endParaRPr b="0" lang="sv-SE" sz="2400" spc="-1" strike="noStrike">
-              <a:solidFill>
-                <a:srgbClr val="000000"/>
-              </a:solidFill>
-              <a:uFill>
-                <a:solidFill>
-                  <a:srgbClr val="ffffff"/>
-                </a:solidFill>
-              </a:uFill>
-              <a:latin typeface="Arial"/>
-            </a:endParaRPr>
-          </a:p>
-          <a:p>
-            <a:pPr lvl="1" marL="432000" indent="-216000">
-              <a:lnSpc>
-                <a:spcPct val="100000"/>
-              </a:lnSpc>
-              <a:spcAft>
-                <a:spcPts val="1060"/>
-              </a:spcAft>
-              <a:buClr>
-                <a:srgbClr val="000000"/>
-              </a:buClr>
-              <a:buSzPct val="45000"/>
-              <a:buFont typeface="Wingdings" charset="2"/>
-              <a:buChar char=""/>
-            </a:pPr>
-            <a:r>
-              <a:rPr b="0" lang="sv-SE" sz="2400" spc="-1" strike="noStrike">
-                <a:solidFill>
-                  <a:srgbClr val="000000"/>
-                </a:solidFill>
-                <a:uFill>
-                  <a:solidFill>
-                    <a:srgbClr val="ffffff"/>
-                  </a:solidFill>
-                </a:uFill>
-                <a:latin typeface="Arial"/>
-              </a:rPr>
-              <a:t>Viktigt att kommunicera och ha regelbundna gruppmöten </a:t>
-            </a:r>
-            <a:endParaRPr b="0" lang="sv-SE" sz="2400" spc="-1" strike="noStrike">
-              <a:solidFill>
-                <a:srgbClr val="000000"/>
-              </a:solidFill>
-              <a:uFill>
-                <a:solidFill>
-                  <a:srgbClr val="ffffff"/>
-                </a:solidFill>
-              </a:uFill>
-              <a:latin typeface="Arial"/>
-            </a:endParaRPr>
-          </a:p>
-          <a:p>
-            <a:pPr lvl="1" marL="432000" indent="-216000">
-              <a:lnSpc>
-                <a:spcPct val="100000"/>
-              </a:lnSpc>
-              <a:spcAft>
-                <a:spcPts val="1060"/>
-              </a:spcAft>
-              <a:buClr>
-                <a:srgbClr val="000000"/>
-              </a:buClr>
-              <a:buSzPct val="45000"/>
-              <a:buFont typeface="Wingdings" charset="2"/>
-              <a:buChar char=""/>
-            </a:pPr>
-            <a:r>
-              <a:rPr b="0" lang="sv-SE" sz="2400" spc="-1" strike="noStrike">
-                <a:solidFill>
-                  <a:srgbClr val="000000"/>
-                </a:solidFill>
-                <a:uFill>
-                  <a:solidFill>
-                    <a:srgbClr val="ffffff"/>
-                  </a:solidFill>
-                </a:uFill>
-                <a:latin typeface="Arial"/>
-              </a:rPr>
-              <a:t>Hjälpa varandra när man kan</a:t>
-            </a:r>
-            <a:endParaRPr b="0" lang="sv-SE" sz="2400" spc="-1" strike="noStrike">
-              <a:solidFill>
-                <a:srgbClr val="000000"/>
-              </a:solidFill>
-              <a:uFill>
-                <a:solidFill>
-                  <a:srgbClr val="ffffff"/>
-                </a:solidFill>
-              </a:uFill>
-              <a:latin typeface="Arial"/>
-            </a:endParaRPr>
-          </a:p>
-          <a:p>
-            <a:pPr marL="432000" indent="-323640">
-              <a:lnSpc>
-                <a:spcPct val="100000"/>
-              </a:lnSpc>
-              <a:spcAft>
-                <a:spcPts val="1060"/>
-              </a:spcAft>
-              <a:buClr>
-                <a:srgbClr val="006600"/>
-              </a:buClr>
-              <a:buSzPct val="45000"/>
-              <a:buFont typeface="Wingdings" charset="2"/>
-              <a:buChar char=""/>
-            </a:pPr>
-            <a:r>
-              <a:rPr b="0" lang="sv-SE" sz="2400" spc="-1" strike="noStrike">
-                <a:solidFill>
-                  <a:srgbClr val="000000"/>
-                </a:solidFill>
-                <a:uFill>
-                  <a:solidFill>
-                    <a:srgbClr val="ffffff"/>
-                  </a:solidFill>
-                </a:uFill>
-                <a:latin typeface="Arial"/>
-              </a:rPr>
-              <a:t>Positiv attityd</a:t>
-            </a:r>
-            <a:endParaRPr b="0" lang="sv-SE" sz="2400" spc="-1" strike="noStrike">
-              <a:solidFill>
-                <a:srgbClr val="000000"/>
-              </a:solidFill>
-              <a:uFill>
-                <a:solidFill>
-                  <a:srgbClr val="ffffff"/>
-                </a:solidFill>
-              </a:uFill>
-              <a:latin typeface="Arial"/>
-            </a:endParaRPr>
-          </a:p>
-          <a:p>
-            <a:pPr lvl="1" marL="432000" indent="-216000">
-              <a:lnSpc>
-                <a:spcPct val="100000"/>
-              </a:lnSpc>
-              <a:spcAft>
-                <a:spcPts val="1060"/>
-              </a:spcAft>
-              <a:buClr>
-                <a:srgbClr val="000000"/>
-              </a:buClr>
-              <a:buSzPct val="45000"/>
-              <a:buFont typeface="Wingdings" charset="2"/>
-              <a:buChar char=""/>
-            </a:pPr>
-            <a:r>
-              <a:rPr b="0" lang="sv-SE" sz="2400" spc="-1" strike="noStrike">
-                <a:solidFill>
-                  <a:srgbClr val="000000"/>
-                </a:solidFill>
-                <a:uFill>
-                  <a:solidFill>
-                    <a:srgbClr val="ffffff"/>
-                  </a:solidFill>
-                </a:uFill>
-                <a:latin typeface="Arial"/>
-              </a:rPr>
-              <a:t>Svårare att samarbeta ifall man gnabbas med varandra </a:t>
-            </a:r>
-            <a:endParaRPr b="0" lang="sv-SE" sz="2400" spc="-1" strike="noStrike">
-              <a:solidFill>
-                <a:srgbClr val="000000"/>
-              </a:solidFill>
-              <a:uFill>
-                <a:solidFill>
-                  <a:srgbClr val="ffffff"/>
-                </a:solidFill>
-              </a:uFill>
-              <a:latin typeface="Arial"/>
-            </a:endParaRPr>
-          </a:p>
-          <a:p>
-            <a:pPr marL="432000" indent="-323640">
-              <a:lnSpc>
-                <a:spcPct val="100000"/>
-              </a:lnSpc>
-              <a:spcAft>
-                <a:spcPts val="1060"/>
-              </a:spcAft>
-              <a:buClr>
-                <a:srgbClr val="006600"/>
-              </a:buClr>
-              <a:buSzPct val="45000"/>
-              <a:buFont typeface="Wingdings" charset="2"/>
-              <a:buChar char=""/>
-            </a:pPr>
-            <a:r>
-              <a:rPr b="0" lang="sv-SE" sz="2400" spc="-1" strike="noStrike">
-                <a:solidFill>
-                  <a:srgbClr val="000000"/>
-                </a:solidFill>
-                <a:uFill>
-                  <a:solidFill>
-                    <a:srgbClr val="ffffff"/>
-                  </a:solidFill>
-                </a:uFill>
-                <a:latin typeface="Arial"/>
-              </a:rPr>
-              <a:t>Ödmjukhet </a:t>
-            </a:r>
-            <a:endParaRPr b="0" lang="sv-SE" sz="2400" spc="-1" strike="noStrike">
-              <a:solidFill>
-                <a:srgbClr val="000000"/>
-              </a:solidFill>
-              <a:uFill>
-                <a:solidFill>
-                  <a:srgbClr val="ffffff"/>
-                </a:solidFill>
-              </a:uFill>
-              <a:latin typeface="Arial"/>
-            </a:endParaRPr>
-          </a:p>
-        </p:txBody>
-      </p:sp>
+      </p:pic>
     </p:spTree>
   </p:cSld>
   <p:timing>
@@ -4605,14 +4355,14 @@
       </p:grpSpPr>
       <p:sp>
         <p:nvSpPr>
-          <p:cNvPr id="98" name="CustomShape 1"/>
+          <p:cNvPr id="99" name="CustomShape 1"/>
           <p:cNvSpPr/>
           <p:nvPr/>
         </p:nvSpPr>
         <p:spPr>
           <a:xfrm>
             <a:off x="504000" y="216000"/>
-            <a:ext cx="9071640" cy="647640"/>
+            <a:ext cx="9071280" cy="647280"/>
           </a:xfrm>
           <a:prstGeom prst="rect">
             <a:avLst/>
@@ -4647,8 +4397,9 @@
                   </a:solidFill>
                 </a:uFill>
                 <a:latin typeface="Arial"/>
+                <a:ea typeface="DejaVu Sans"/>
               </a:rPr>
-              <a:t>Projektet - Svårigheter</a:t>
+              <a:t>Projektet - Erfarenheter</a:t>
             </a:r>
             <a:endParaRPr b="0" lang="sv-SE" sz="3300" spc="-1" strike="noStrike">
               <a:solidFill>
@@ -4666,14 +4417,14 @@
       </p:sp>
       <p:sp>
         <p:nvSpPr>
-          <p:cNvPr id="99" name="CustomShape 2"/>
+          <p:cNvPr id="100" name="CustomShape 2"/>
           <p:cNvSpPr/>
           <p:nvPr/>
         </p:nvSpPr>
         <p:spPr>
           <a:xfrm>
             <a:off x="504000" y="1368000"/>
-            <a:ext cx="9071640" cy="3287880"/>
+            <a:ext cx="9071280" cy="3287520"/>
           </a:xfrm>
           <a:prstGeom prst="rect">
             <a:avLst/>
@@ -4694,7 +4445,7 @@
             <a:normAutofit/>
           </a:bodyPr>
           <a:p>
-            <a:pPr marL="432000" indent="-323640">
+            <a:pPr marL="432000" indent="-323280">
               <a:lnSpc>
                 <a:spcPct val="100000"/>
               </a:lnSpc>
@@ -4719,8 +4470,9 @@
                   </a:solidFill>
                 </a:uFill>
                 <a:latin typeface="Arial"/>
+                <a:ea typeface="DejaVu Sans"/>
               </a:rPr>
-              <a:t>Denna gruppen har varit lite av en berg och dalbana.</a:t>
+              <a:t>Samarbete</a:t>
             </a:r>
             <a:endParaRPr b="0" lang="sv-SE" sz="2400" spc="-1" strike="noStrike">
               <a:solidFill>
@@ -4735,7 +4487,91 @@
             </a:endParaRPr>
           </a:p>
           <a:p>
-            <a:pPr marL="432000" indent="-323640">
+            <a:pPr lvl="1" marL="432000" indent="-215640">
+              <a:lnSpc>
+                <a:spcPct val="100000"/>
+              </a:lnSpc>
+              <a:spcAft>
+                <a:spcPts val="1060"/>
+              </a:spcAft>
+              <a:buClr>
+                <a:srgbClr val="000000"/>
+              </a:buClr>
+              <a:buSzPct val="45000"/>
+              <a:buFont typeface="Wingdings" charset="2"/>
+              <a:buChar char=""/>
+            </a:pPr>
+            <a:r>
+              <a:rPr b="0" lang="sv-SE" sz="2400" spc="-1" strike="noStrike">
+                <a:solidFill>
+                  <a:srgbClr val="000000"/>
+                </a:solidFill>
+                <a:uFill>
+                  <a:solidFill>
+                    <a:srgbClr val="ffffff"/>
+                  </a:solidFill>
+                </a:uFill>
+                <a:latin typeface="Arial"/>
+                <a:ea typeface="DejaVu Sans"/>
+              </a:rPr>
+              <a:t>Viktigt att kommunicera och ha regelbundna gruppmöten </a:t>
+            </a:r>
+            <a:endParaRPr b="0" lang="sv-SE" sz="2400" spc="-1" strike="noStrike">
+              <a:solidFill>
+                <a:srgbClr val="000000"/>
+              </a:solidFill>
+              <a:uFill>
+                <a:solidFill>
+                  <a:srgbClr val="ffffff"/>
+                </a:solidFill>
+              </a:uFill>
+              <a:latin typeface="Arial"/>
+            </a:endParaRPr>
+          </a:p>
+          <a:p>
+            <a:pPr lvl="1" marL="432000" indent="-215640">
+              <a:lnSpc>
+                <a:spcPct val="100000"/>
+              </a:lnSpc>
+              <a:spcAft>
+                <a:spcPts val="1060"/>
+              </a:spcAft>
+              <a:buClr>
+                <a:srgbClr val="000000"/>
+              </a:buClr>
+              <a:buSzPct val="45000"/>
+              <a:buFont typeface="Wingdings" charset="2"/>
+              <a:buChar char=""/>
+            </a:pPr>
+            <a:r>
+              <a:rPr b="0" lang="sv-SE" sz="2400" spc="-1" strike="noStrike">
+                <a:solidFill>
+                  <a:srgbClr val="000000"/>
+                </a:solidFill>
+                <a:uFill>
+                  <a:solidFill>
+                    <a:srgbClr val="ffffff"/>
+                  </a:solidFill>
+                </a:uFill>
+                <a:latin typeface="Arial"/>
+                <a:ea typeface="DejaVu Sans"/>
+              </a:rPr>
+              <a:t>Hjälpa varandra när man kan</a:t>
+            </a:r>
+            <a:endParaRPr b="0" lang="sv-SE" sz="2400" spc="-1" strike="noStrike">
+              <a:solidFill>
+                <a:srgbClr val="000000"/>
+              </a:solidFill>
+              <a:uFill>
+                <a:solidFill>
+                  <a:srgbClr val="ffffff"/>
+                </a:solidFill>
+              </a:uFill>
+              <a:latin typeface="Arial"/>
+            </a:endParaRPr>
+          </a:p>
+          <a:p>
+            <a:pPr marL="432000" indent="-323280">
               <a:lnSpc>
                 <a:spcPct val="100000"/>
               </a:lnSpc>
@@ -4760,8 +4596,9 @@
                   </a:solidFill>
                 </a:uFill>
                 <a:latin typeface="Arial"/>
+                <a:ea typeface="DejaVu Sans"/>
               </a:rPr>
-              <a:t>Största svårigheten var när denna gruppen var tre medlemmar.</a:t>
+              <a:t>Positiv attityd</a:t>
             </a:r>
             <a:endParaRPr b="0" lang="sv-SE" sz="2400" spc="-1" strike="noStrike">
               <a:solidFill>
@@ -4776,7 +4613,7 @@
             </a:endParaRPr>
           </a:p>
           <a:p>
-            <a:pPr lvl="1" marL="432000" indent="-216000">
+            <a:pPr lvl="1" marL="432000" indent="-215640">
               <a:lnSpc>
                 <a:spcPct val="100000"/>
               </a:lnSpc>
@@ -4801,8 +4638,9 @@
                   </a:solidFill>
                 </a:uFill>
                 <a:latin typeface="Arial"/>
+                <a:ea typeface="DejaVu Sans"/>
               </a:rPr>
-              <a:t>Det största svårigheten var att den tredje medlemmen var inte arbetsvillig.</a:t>
+              <a:t>Svårare att samarbeta ifall man gnabbas med varandra </a:t>
             </a:r>
             <a:endParaRPr b="0" lang="sv-SE" sz="2400" spc="-1" strike="noStrike">
               <a:solidFill>
@@ -4817,7 +4655,7 @@
             </a:endParaRPr>
           </a:p>
           <a:p>
-            <a:pPr marL="432000" indent="-323640">
+            <a:pPr marL="432000" indent="-323280">
               <a:lnSpc>
                 <a:spcPct val="100000"/>
               </a:lnSpc>
@@ -4842,8 +4680,9 @@
                   </a:solidFill>
                 </a:uFill>
                 <a:latin typeface="Arial"/>
+                <a:ea typeface="DejaVu Sans"/>
               </a:rPr>
-              <a:t>Annars utöver detta så har det inte varit några större svårigheter förutom tidspressen då detta har varit mer eller mindre ett två mans projekt.</a:t>
+              <a:t>Ödmjukhet </a:t>
             </a:r>
             <a:endParaRPr b="0" lang="sv-SE" sz="2400" spc="-1" strike="noStrike">
               <a:solidFill>
@@ -4910,14 +4749,14 @@
       </p:grpSpPr>
       <p:sp>
         <p:nvSpPr>
-          <p:cNvPr id="100" name="CustomShape 1"/>
+          <p:cNvPr id="101" name="CustomShape 1"/>
           <p:cNvSpPr/>
           <p:nvPr/>
         </p:nvSpPr>
         <p:spPr>
           <a:xfrm>
             <a:off x="504000" y="216000"/>
-            <a:ext cx="9071640" cy="647640"/>
+            <a:ext cx="9071280" cy="647280"/>
           </a:xfrm>
           <a:prstGeom prst="rect">
             <a:avLst/>
@@ -4952,8 +4791,9 @@
                   </a:solidFill>
                 </a:uFill>
                 <a:latin typeface="Arial"/>
+                <a:ea typeface="DejaVu Sans"/>
               </a:rPr>
-              <a:t>Projektet – Läxan till nästa gång</a:t>
+              <a:t>Projektet - Svårigheter</a:t>
             </a:r>
             <a:endParaRPr b="0" lang="sv-SE" sz="3300" spc="-1" strike="noStrike">
               <a:solidFill>
@@ -4971,14 +4811,14 @@
       </p:sp>
       <p:sp>
         <p:nvSpPr>
-          <p:cNvPr id="101" name="CustomShape 2"/>
+          <p:cNvPr id="102" name="CustomShape 2"/>
           <p:cNvSpPr/>
           <p:nvPr/>
         </p:nvSpPr>
         <p:spPr>
           <a:xfrm>
             <a:off x="504000" y="1368000"/>
-            <a:ext cx="9071640" cy="3287880"/>
+            <a:ext cx="9071280" cy="3287520"/>
           </a:xfrm>
           <a:prstGeom prst="rect">
             <a:avLst/>
@@ -4999,7 +4839,7 @@
             <a:normAutofit/>
           </a:bodyPr>
           <a:p>
-            <a:pPr marL="432000" indent="-323640">
+            <a:pPr marL="432000" indent="-323280">
               <a:lnSpc>
                 <a:spcPct val="100000"/>
               </a:lnSpc>
@@ -5024,8 +4864,9 @@
                   </a:solidFill>
                 </a:uFill>
                 <a:latin typeface="Arial"/>
+                <a:ea typeface="DejaVu Sans"/>
               </a:rPr>
-              <a:t>Försöka att etablera så att det blir en grupp med fyra personer</a:t>
+              <a:t>Denna gruppen har varit lite av en berg och dalbana.</a:t>
             </a:r>
             <a:endParaRPr b="0" lang="sv-SE" sz="2400" spc="-1" strike="noStrike">
               <a:solidFill>
@@ -5040,7 +4881,7 @@
             </a:endParaRPr>
           </a:p>
           <a:p>
-            <a:pPr marL="432000" indent="-323640">
+            <a:pPr marL="432000" indent="-323280">
               <a:lnSpc>
                 <a:spcPct val="100000"/>
               </a:lnSpc>
@@ -5065,8 +4906,9 @@
                   </a:solidFill>
                 </a:uFill>
                 <a:latin typeface="Arial"/>
+                <a:ea typeface="DejaVu Sans"/>
               </a:rPr>
-              <a:t>Se till att alla gruppmedlemmar gör sitt</a:t>
+              <a:t>Största svårigheten var när denna gruppen var tre medlemmar.</a:t>
             </a:r>
             <a:endParaRPr b="0" lang="sv-SE" sz="2400" spc="-1" strike="noStrike">
               <a:solidFill>
@@ -5081,7 +4923,49 @@
             </a:endParaRPr>
           </a:p>
           <a:p>
-            <a:pPr marL="432000" indent="-323640">
+            <a:pPr lvl="1" marL="432000" indent="-215640">
+              <a:lnSpc>
+                <a:spcPct val="100000"/>
+              </a:lnSpc>
+              <a:spcAft>
+                <a:spcPts val="1060"/>
+              </a:spcAft>
+              <a:buClr>
+                <a:srgbClr val="000000"/>
+              </a:buClr>
+              <a:buSzPct val="45000"/>
+              <a:buFont typeface="Wingdings" charset="2"/>
+              <a:buChar char=""/>
+            </a:pPr>
+            <a:r>
+              <a:rPr b="0" lang="sv-SE" sz="2400" spc="-1" strike="noStrike">
+                <a:solidFill>
+                  <a:srgbClr val="000000"/>
+                </a:solidFill>
+                <a:uFill>
+                  <a:solidFill>
+                    <a:srgbClr val="ffffff"/>
+                  </a:solidFill>
+                </a:uFill>
+                <a:latin typeface="Arial"/>
+                <a:ea typeface="DejaVu Sans"/>
+              </a:rPr>
+              <a:t>Det största svårigheten var att den tredje medlemmen var inte arbetsvillig.</a:t>
+            </a:r>
+            <a:endParaRPr b="0" lang="sv-SE" sz="2400" spc="-1" strike="noStrike">
+              <a:solidFill>
+                <a:srgbClr val="000000"/>
+              </a:solidFill>
+              <a:uFill>
+                <a:solidFill>
+                  <a:srgbClr val="ffffff"/>
+                </a:solidFill>
+              </a:uFill>
+              <a:latin typeface="Arial"/>
+            </a:endParaRPr>
+          </a:p>
+          <a:p>
+            <a:pPr marL="432000" indent="-323280">
               <a:lnSpc>
                 <a:spcPct val="100000"/>
               </a:lnSpc>
@@ -5106,8 +4990,9 @@
                   </a:solidFill>
                 </a:uFill>
                 <a:latin typeface="Arial"/>
+                <a:ea typeface="DejaVu Sans"/>
               </a:rPr>
-              <a:t>Kontakta en professor så fort som möjligt när det blir ett problem inom gruppen istället för att lösa det internt 3~4 gånger utan att det åstadkommer något </a:t>
+              <a:t>Annars utöver detta så har det inte varit några större svårigheter förutom tidspressen då detta har varit mer eller mindre ett två mans projekt.</a:t>
             </a:r>
             <a:endParaRPr b="0" lang="sv-SE" sz="2400" spc="-1" strike="noStrike">
               <a:solidFill>
@@ -5121,8 +5006,150 @@
               <a:latin typeface="Arial"/>
             </a:endParaRPr>
           </a:p>
-          <a:p>
-            <a:pPr marL="432000" indent="-323640">
+        </p:txBody>
+      </p:sp>
+    </p:spTree>
+  </p:cSld>
+  <p:timing>
+    <p:tnLst>
+      <p:par>
+        <p:cTn id="23" dur="indefinite" restart="never" nodeType="tmRoot">
+          <p:childTnLst>
+            <p:seq>
+              <p:cTn id="24" nodeType="mainSeq"/>
+              <p:prevCondLst>
+                <p:cond delay="0" evt="onPrev">
+                  <p:tgtEl>
+                    <p:sldTgt/>
+                  </p:tgtEl>
+                </p:cond>
+              </p:prevCondLst>
+              <p:nextCondLst>
+                <p:cond delay="0" evt="onNext">
+                  <p:tgtEl>
+                    <p:sldTgt/>
+                  </p:tgtEl>
+                </p:cond>
+              </p:nextCondLst>
+            </p:seq>
+          </p:childTnLst>
+        </p:cTn>
+      </p:par>
+    </p:tnLst>
+  </p:timing>
+</p:sld>
+</file>
+
+<file path=ppt/slides/slide13.xml><?xml version="1.0" encoding="utf-8"?>
+<p:sld xmlns:a="http://schemas.openxmlformats.org/drawingml/2006/main" xmlns:p="http://schemas.openxmlformats.org/presentationml/2006/main" xmlns:r="http://schemas.openxmlformats.org/officeDocument/2006/relationships" xmlns:p14="http://schemas.microsoft.com/office/powerpoint/2010/main" xmlns:p15="http://schemas.microsoft.com/office/powerpoint/2012/main" xmlns:mc="http://schemas.openxmlformats.org/markup-compatibility/2006">
+  <p:cSld>
+    <p:spTree>
+      <p:nvGrpSpPr>
+        <p:cNvPr id="1" name=""/>
+        <p:cNvGrpSpPr/>
+        <p:nvPr/>
+      </p:nvGrpSpPr>
+      <p:grpSpPr>
+        <a:xfrm>
+          <a:off x="0" y="0"/>
+          <a:ext cx="0" cy="0"/>
+          <a:chOff x="0" y="0"/>
+          <a:chExt cx="0" cy="0"/>
+        </a:xfrm>
+      </p:grpSpPr>
+      <p:sp>
+        <p:nvSpPr>
+          <p:cNvPr id="103" name="CustomShape 1"/>
+          <p:cNvSpPr/>
+          <p:nvPr/>
+        </p:nvSpPr>
+        <p:spPr>
+          <a:xfrm>
+            <a:off x="504000" y="216000"/>
+            <a:ext cx="9071280" cy="647280"/>
+          </a:xfrm>
+          <a:prstGeom prst="rect">
+            <a:avLst/>
+          </a:prstGeom>
+          <a:noFill/>
+          <a:ln>
+            <a:noFill/>
+          </a:ln>
+        </p:spPr>
+        <p:style>
+          <a:lnRef idx="0"/>
+          <a:fillRef idx="0"/>
+          <a:effectRef idx="0"/>
+          <a:fontRef idx="minor"/>
+        </p:style>
+        <p:txBody>
+          <a:bodyPr lIns="0" rIns="0" tIns="0" bIns="0" anchor="ctr"/>
+          <a:p>
+            <a:pPr algn="ctr">
+              <a:lnSpc>
+                <a:spcPct val="100000"/>
+              </a:lnSpc>
+            </a:pPr>
+            <a:r>
+              <a:rPr b="1" lang="sv-SE" sz="3300" spc="-1" strike="noStrike">
+                <a:solidFill>
+                  <a:srgbClr val="ffffff"/>
+                </a:solidFill>
+                <a:uFill>
+                  <a:solidFill>
+                    <a:srgbClr val="ffffff"/>
+                  </a:solidFill>
+                </a:uFill>
+                <a:latin typeface="Arial"/>
+                <a:ea typeface="DejaVu Sans"/>
+              </a:rPr>
+              <a:t>Projektet – Läxan till nästa gång</a:t>
+            </a:r>
+            <a:endParaRPr b="0" lang="sv-SE" sz="3300" spc="-1" strike="noStrike">
+              <a:solidFill>
+                <a:srgbClr val="000000"/>
+              </a:solidFill>
+              <a:uFill>
+                <a:solidFill>
+                  <a:srgbClr val="ffffff"/>
+                </a:solidFill>
+              </a:uFill>
+              <a:latin typeface="Arial"/>
+            </a:endParaRPr>
+          </a:p>
+        </p:txBody>
+      </p:sp>
+      <p:sp>
+        <p:nvSpPr>
+          <p:cNvPr id="104" name="CustomShape 2"/>
+          <p:cNvSpPr/>
+          <p:nvPr/>
+        </p:nvSpPr>
+        <p:spPr>
+          <a:xfrm>
+            <a:off x="504000" y="1368000"/>
+            <a:ext cx="9071280" cy="3287520"/>
+          </a:xfrm>
+          <a:prstGeom prst="rect">
+            <a:avLst/>
+          </a:prstGeom>
+          <a:noFill/>
+          <a:ln>
+            <a:noFill/>
+          </a:ln>
+        </p:spPr>
+        <p:style>
+          <a:lnRef idx="0"/>
+          <a:fillRef idx="0"/>
+          <a:effectRef idx="0"/>
+          <a:fontRef idx="minor"/>
+        </p:style>
+        <p:txBody>
+          <a:bodyPr lIns="0" rIns="0" tIns="0" bIns="0">
+            <a:normAutofit/>
+          </a:bodyPr>
+          <a:p>
+            <a:pPr marL="432000" indent="-323280">
               <a:lnSpc>
                 <a:spcPct val="100000"/>
               </a:lnSpc>
@@ -5147,6 +5174,133 @@
                   </a:solidFill>
                 </a:uFill>
                 <a:latin typeface="Arial"/>
+                <a:ea typeface="DejaVu Sans"/>
+              </a:rPr>
+              <a:t>Försöka att etablera så att det blir en grupp med fyra personer</a:t>
+            </a:r>
+            <a:endParaRPr b="0" lang="sv-SE" sz="2400" spc="-1" strike="noStrike">
+              <a:solidFill>
+                <a:srgbClr val="000000"/>
+              </a:solidFill>
+              <a:uFill>
+                <a:solidFill>
+                  <a:srgbClr val="ffffff"/>
+                </a:solidFill>
+              </a:uFill>
+              <a:latin typeface="Arial"/>
+            </a:endParaRPr>
+          </a:p>
+          <a:p>
+            <a:pPr marL="432000" indent="-323280">
+              <a:lnSpc>
+                <a:spcPct val="100000"/>
+              </a:lnSpc>
+              <a:spcAft>
+                <a:spcPts val="1060"/>
+              </a:spcAft>
+              <a:buClr>
+                <a:srgbClr val="006600"/>
+              </a:buClr>
+              <a:buSzPct val="45000"/>
+              <a:buFont typeface="Wingdings" charset="2"/>
+              <a:buChar char=""/>
+            </a:pPr>
+            <a:r>
+              <a:rPr b="0" lang="sv-SE" sz="2400" spc="-1" strike="noStrike">
+                <a:solidFill>
+                  <a:srgbClr val="000000"/>
+                </a:solidFill>
+                <a:uFill>
+                  <a:solidFill>
+                    <a:srgbClr val="ffffff"/>
+                  </a:solidFill>
+                </a:uFill>
+                <a:latin typeface="Arial"/>
+                <a:ea typeface="DejaVu Sans"/>
+              </a:rPr>
+              <a:t>Se till att alla gruppmedlemmar gör sitt</a:t>
+            </a:r>
+            <a:endParaRPr b="0" lang="sv-SE" sz="2400" spc="-1" strike="noStrike">
+              <a:solidFill>
+                <a:srgbClr val="000000"/>
+              </a:solidFill>
+              <a:uFill>
+                <a:solidFill>
+                  <a:srgbClr val="ffffff"/>
+                </a:solidFill>
+              </a:uFill>
+              <a:latin typeface="Arial"/>
+            </a:endParaRPr>
+          </a:p>
+          <a:p>
+            <a:pPr marL="432000" indent="-323280">
+              <a:lnSpc>
+                <a:spcPct val="100000"/>
+              </a:lnSpc>
+              <a:spcAft>
+                <a:spcPts val="1060"/>
+              </a:spcAft>
+              <a:buClr>
+                <a:srgbClr val="006600"/>
+              </a:buClr>
+              <a:buSzPct val="45000"/>
+              <a:buFont typeface="Wingdings" charset="2"/>
+              <a:buChar char=""/>
+            </a:pPr>
+            <a:r>
+              <a:rPr b="0" lang="sv-SE" sz="2400" spc="-1" strike="noStrike">
+                <a:solidFill>
+                  <a:srgbClr val="000000"/>
+                </a:solidFill>
+                <a:uFill>
+                  <a:solidFill>
+                    <a:srgbClr val="ffffff"/>
+                  </a:solidFill>
+                </a:uFill>
+                <a:latin typeface="Arial"/>
+                <a:ea typeface="DejaVu Sans"/>
+              </a:rPr>
+              <a:t>Kontakta en professor så fort som möjligt när det blir ett problem inom gruppen istället för att lösa det internt 3~4 gånger utan att det åstadkommer något </a:t>
+            </a:r>
+            <a:endParaRPr b="0" lang="sv-SE" sz="2400" spc="-1" strike="noStrike">
+              <a:solidFill>
+                <a:srgbClr val="000000"/>
+              </a:solidFill>
+              <a:uFill>
+                <a:solidFill>
+                  <a:srgbClr val="ffffff"/>
+                </a:solidFill>
+              </a:uFill>
+              <a:latin typeface="Arial"/>
+            </a:endParaRPr>
+          </a:p>
+          <a:p>
+            <a:pPr marL="432000" indent="-323280">
+              <a:lnSpc>
+                <a:spcPct val="100000"/>
+              </a:lnSpc>
+              <a:spcAft>
+                <a:spcPts val="1060"/>
+              </a:spcAft>
+              <a:buClr>
+                <a:srgbClr val="006600"/>
+              </a:buClr>
+              <a:buSzPct val="45000"/>
+              <a:buFont typeface="Wingdings" charset="2"/>
+              <a:buChar char=""/>
+            </a:pPr>
+            <a:r>
+              <a:rPr b="0" lang="sv-SE" sz="2400" spc="-1" strike="noStrike">
+                <a:solidFill>
+                  <a:srgbClr val="000000"/>
+                </a:solidFill>
+                <a:uFill>
+                  <a:solidFill>
+                    <a:srgbClr val="ffffff"/>
+                  </a:solidFill>
+                </a:uFill>
+                <a:latin typeface="Arial"/>
+                <a:ea typeface="DejaVu Sans"/>
               </a:rPr>
               <a:t>Försöka fördela arbetet lite bättre nästa gång</a:t>
             </a:r>
@@ -5169,10 +5323,10 @@
   <p:timing>
     <p:tnLst>
       <p:par>
-        <p:cTn id="23" dur="indefinite" restart="never" nodeType="tmRoot">
+        <p:cTn id="25" dur="indefinite" restart="never" nodeType="tmRoot">
           <p:childTnLst>
             <p:seq>
-              <p:cTn id="24" nodeType="mainSeq"/>
+              <p:cTn id="26" nodeType="mainSeq"/>
               <p:prevCondLst>
                 <p:cond delay="0" evt="onPrev">
                   <p:tgtEl>
@@ -5222,7 +5376,7 @@
         <p:spPr>
           <a:xfrm>
             <a:off x="504000" y="216000"/>
-            <a:ext cx="9071640" cy="647640"/>
+            <a:ext cx="9071280" cy="647280"/>
           </a:xfrm>
           <a:prstGeom prst="rect">
             <a:avLst/>
@@ -5257,6 +5411,7 @@
                   </a:solidFill>
                 </a:uFill>
                 <a:latin typeface="Arial"/>
+                <a:ea typeface="DejaVu Sans"/>
               </a:rPr>
               <a:t>Projektmedlemmar </a:t>
             </a:r>
@@ -5283,7 +5438,7 @@
         <p:spPr>
           <a:xfrm>
             <a:off x="504000" y="1368000"/>
-            <a:ext cx="9071640" cy="3287880"/>
+            <a:ext cx="9071280" cy="3287520"/>
           </a:xfrm>
           <a:prstGeom prst="rect">
             <a:avLst/>
@@ -5304,7 +5459,7 @@
             <a:normAutofit/>
           </a:bodyPr>
           <a:p>
-            <a:pPr lvl="1" marL="864000" indent="-323640">
+            <a:pPr lvl="1" marL="864000" indent="-323280">
               <a:lnSpc>
                 <a:spcPct val="100000"/>
               </a:lnSpc>
@@ -5329,6 +5484,7 @@
                   </a:solidFill>
                 </a:uFill>
                 <a:latin typeface="Arial"/>
+                <a:ea typeface="DejaVu Sans"/>
               </a:rPr>
               <a:t>Niclas Everlönn </a:t>
             </a:r>
@@ -5345,7 +5501,7 @@
             </a:endParaRPr>
           </a:p>
           <a:p>
-            <a:pPr lvl="2" marL="1296000" indent="-287640">
+            <a:pPr lvl="2" marL="1296000" indent="-287280">
               <a:lnSpc>
                 <a:spcPct val="100000"/>
               </a:lnSpc>
@@ -5370,6 +5526,7 @@
                   </a:solidFill>
                 </a:uFill>
                 <a:latin typeface="Arial"/>
+                <a:ea typeface="DejaVu Sans"/>
               </a:rPr>
               <a:t>Student vid HKR</a:t>
             </a:r>
@@ -5386,7 +5543,7 @@
             </a:endParaRPr>
           </a:p>
           <a:p>
-            <a:pPr lvl="2" marL="1296000" indent="-287640">
+            <a:pPr lvl="2" marL="1296000" indent="-287280">
               <a:lnSpc>
                 <a:spcPct val="100000"/>
               </a:lnSpc>
@@ -5411,6 +5568,7 @@
                   </a:solidFill>
                 </a:uFill>
                 <a:latin typeface="Arial"/>
+                <a:ea typeface="DejaVu Sans"/>
               </a:rPr>
               <a:t>Född i Blekinge län. Bor i Kristianstad</a:t>
             </a:r>
@@ -5427,7 +5585,7 @@
             </a:endParaRPr>
           </a:p>
           <a:p>
-            <a:pPr lvl="2" marL="1296000" indent="-287640">
+            <a:pPr lvl="2" marL="1296000" indent="-287280">
               <a:lnSpc>
                 <a:spcPct val="100000"/>
               </a:lnSpc>
@@ -5452,6 +5610,7 @@
                   </a:solidFill>
                 </a:uFill>
                 <a:latin typeface="Arial"/>
+                <a:ea typeface="DejaVu Sans"/>
               </a:rPr>
               <a:t>Gillar brädspel</a:t>
             </a:r>
@@ -5468,7 +5627,7 @@
             </a:endParaRPr>
           </a:p>
           <a:p>
-            <a:pPr lvl="2" marL="1296000" indent="-287640">
+            <a:pPr lvl="2" marL="1296000" indent="-287280">
               <a:lnSpc>
                 <a:spcPct val="100000"/>
               </a:lnSpc>
@@ -5493,6 +5652,7 @@
                   </a:solidFill>
                 </a:uFill>
                 <a:latin typeface="Arial"/>
+                <a:ea typeface="DejaVu Sans"/>
               </a:rPr>
               <a:t>Hjärnan</a:t>
             </a:r>
@@ -5509,7 +5669,7 @@
             </a:endParaRPr>
           </a:p>
           <a:p>
-            <a:pPr lvl="1" marL="864000" indent="-323640">
+            <a:pPr lvl="1" marL="864000" indent="-323280">
               <a:lnSpc>
                 <a:spcPct val="100000"/>
               </a:lnSpc>
@@ -5534,6 +5694,7 @@
                   </a:solidFill>
                 </a:uFill>
                 <a:latin typeface="Arial"/>
+                <a:ea typeface="DejaVu Sans"/>
               </a:rPr>
               <a:t> </a:t>
             </a:r>
@@ -5548,6 +5709,7 @@
                   </a:solidFill>
                 </a:uFill>
                 <a:latin typeface="Arial"/>
+                <a:ea typeface="DejaVu Sans"/>
               </a:rPr>
               <a:t>Ivan Marosan</a:t>
             </a:r>
@@ -5564,7 +5726,7 @@
             </a:endParaRPr>
           </a:p>
           <a:p>
-            <a:pPr lvl="2" marL="1296000" indent="-287640">
+            <a:pPr lvl="2" marL="1296000" indent="-287280">
               <a:lnSpc>
                 <a:spcPct val="100000"/>
               </a:lnSpc>
@@ -5589,6 +5751,7 @@
                   </a:solidFill>
                 </a:uFill>
                 <a:latin typeface="Arial"/>
+                <a:ea typeface="DejaVu Sans"/>
               </a:rPr>
               <a:t>Student vid HKR</a:t>
             </a:r>
@@ -5605,7 +5768,7 @@
             </a:endParaRPr>
           </a:p>
           <a:p>
-            <a:pPr lvl="2" marL="1296000" indent="-287640">
+            <a:pPr lvl="2" marL="1296000" indent="-287280">
               <a:lnSpc>
                 <a:spcPct val="100000"/>
               </a:lnSpc>
@@ -5630,6 +5793,7 @@
                   </a:solidFill>
                 </a:uFill>
                 <a:latin typeface="Arial"/>
+                <a:ea typeface="DejaVu Sans"/>
               </a:rPr>
               <a:t>Född i Gästrikland. Bor i Lund</a:t>
             </a:r>
@@ -5646,7 +5810,7 @@
             </a:endParaRPr>
           </a:p>
           <a:p>
-            <a:pPr lvl="2" marL="1296000" indent="-287640">
+            <a:pPr lvl="2" marL="1296000" indent="-287280">
               <a:lnSpc>
                 <a:spcPct val="100000"/>
               </a:lnSpc>
@@ -5671,6 +5835,7 @@
                   </a:solidFill>
                 </a:uFill>
                 <a:latin typeface="Arial"/>
+                <a:ea typeface="DejaVu Sans"/>
               </a:rPr>
               <a:t>Gillar också brädspel</a:t>
             </a:r>
@@ -5687,7 +5852,7 @@
             </a:endParaRPr>
           </a:p>
           <a:p>
-            <a:pPr lvl="2" marL="1296000" indent="-287640">
+            <a:pPr lvl="2" marL="1296000" indent="-287280">
               <a:lnSpc>
                 <a:spcPct val="100000"/>
               </a:lnSpc>
@@ -5712,6 +5877,7 @@
                   </a:solidFill>
                 </a:uFill>
                 <a:latin typeface="Arial"/>
+                <a:ea typeface="DejaVu Sans"/>
               </a:rPr>
               <a:t>Pinky</a:t>
             </a:r>
@@ -5728,19 +5894,13 @@
             </a:endParaRPr>
           </a:p>
           <a:p>
-            <a:pPr lvl="2" marL="1296000" indent="-287640">
+            <a:pPr>
               <a:lnSpc>
                 <a:spcPct val="100000"/>
               </a:lnSpc>
               <a:spcAft>
                 <a:spcPts val="632"/>
               </a:spcAft>
-              <a:buClr>
-                <a:srgbClr val="006600"/>
-              </a:buClr>
-              <a:buSzPct val="45000"/>
-              <a:buFont typeface="Wingdings" charset="2"/>
-              <a:buChar char=""/>
             </a:pPr>
             <a:endParaRPr b="0" lang="sv-SE" sz="1800" spc="-1" strike="noStrike">
               <a:solidFill>
@@ -5814,7 +5974,7 @@
         <p:spPr>
           <a:xfrm>
             <a:off x="504000" y="216000"/>
-            <a:ext cx="9071640" cy="647640"/>
+            <a:ext cx="9071280" cy="647280"/>
           </a:xfrm>
           <a:prstGeom prst="rect">
             <a:avLst/>
@@ -5849,6 +6009,7 @@
                   </a:solidFill>
                 </a:uFill>
                 <a:latin typeface="Arial"/>
+                <a:ea typeface="DejaVu Sans"/>
               </a:rPr>
               <a:t>Projektet </a:t>
             </a:r>
@@ -5875,7 +6036,7 @@
         <p:spPr>
           <a:xfrm>
             <a:off x="504000" y="1368000"/>
-            <a:ext cx="9071640" cy="3287880"/>
+            <a:ext cx="9071280" cy="3287520"/>
           </a:xfrm>
           <a:prstGeom prst="rect">
             <a:avLst/>
@@ -5896,7 +6057,7 @@
             <a:normAutofit/>
           </a:bodyPr>
           <a:p>
-            <a:pPr marL="432000" indent="-323640">
+            <a:pPr marL="432000" indent="-323280">
               <a:lnSpc>
                 <a:spcPct val="100000"/>
               </a:lnSpc>
@@ -5921,6 +6082,7 @@
                   </a:solidFill>
                 </a:uFill>
                 <a:latin typeface="Arial"/>
+                <a:ea typeface="DejaVu Sans"/>
               </a:rPr>
               <a:t>En shopping applikation för bräd- och kortspel.</a:t>
             </a:r>
@@ -5937,7 +6099,7 @@
             </a:endParaRPr>
           </a:p>
           <a:p>
-            <a:pPr marL="432000" indent="-323640">
+            <a:pPr marL="432000" indent="-323280">
               <a:lnSpc>
                 <a:spcPct val="100000"/>
               </a:lnSpc>
@@ -5962,6 +6124,7 @@
                   </a:solidFill>
                 </a:uFill>
                 <a:latin typeface="Arial"/>
+                <a:ea typeface="DejaVu Sans"/>
               </a:rPr>
               <a:t>Är gjord i JavaFX</a:t>
             </a:r>
@@ -5978,7 +6141,7 @@
             </a:endParaRPr>
           </a:p>
           <a:p>
-            <a:pPr marL="432000" indent="-323640">
+            <a:pPr marL="432000" indent="-323280">
               <a:lnSpc>
                 <a:spcPct val="100000"/>
               </a:lnSpc>
@@ -6003,6 +6166,7 @@
                   </a:solidFill>
                 </a:uFill>
                 <a:latin typeface="Arial"/>
+                <a:ea typeface="DejaVu Sans"/>
               </a:rPr>
               <a:t>Använder sig av en databas lagrad i Gearbox</a:t>
             </a:r>
@@ -6019,7 +6183,7 @@
             </a:endParaRPr>
           </a:p>
           <a:p>
-            <a:pPr marL="432000" indent="-323640">
+            <a:pPr marL="432000" indent="-323280">
               <a:lnSpc>
                 <a:spcPct val="100000"/>
               </a:lnSpc>
@@ -6044,6 +6208,7 @@
                   </a:solidFill>
                 </a:uFill>
                 <a:latin typeface="Arial"/>
+                <a:ea typeface="DejaVu Sans"/>
               </a:rPr>
               <a:t>Gjord av bara två personer </a:t>
             </a:r>
@@ -6123,7 +6288,7 @@
         <p:spPr>
           <a:xfrm>
             <a:off x="1440000" y="-36360"/>
-            <a:ext cx="6983640" cy="5706000"/>
+            <a:ext cx="6983280" cy="5705640"/>
           </a:xfrm>
           <a:prstGeom prst="rect">
             <a:avLst/>
@@ -6191,7 +6356,7 @@
         <p:spPr>
           <a:xfrm>
             <a:off x="504000" y="216000"/>
-            <a:ext cx="9071640" cy="647640"/>
+            <a:ext cx="9071280" cy="647280"/>
           </a:xfrm>
           <a:prstGeom prst="rect">
             <a:avLst/>
@@ -6226,6 +6391,7 @@
                   </a:solidFill>
                 </a:uFill>
                 <a:latin typeface="Arial"/>
+                <a:ea typeface="DejaVu Sans"/>
               </a:rPr>
               <a:t>Design </a:t>
             </a:r>
@@ -6252,7 +6418,7 @@
         <p:spPr>
           <a:xfrm>
             <a:off x="504000" y="1368000"/>
-            <a:ext cx="9071640" cy="3287880"/>
+            <a:ext cx="9071280" cy="3287520"/>
           </a:xfrm>
           <a:prstGeom prst="rect">
             <a:avLst/>
@@ -6273,7 +6439,7 @@
             <a:normAutofit/>
           </a:bodyPr>
           <a:p>
-            <a:pPr marL="432000" indent="-323640">
+            <a:pPr marL="432000" indent="-323280">
               <a:lnSpc>
                 <a:spcPct val="100000"/>
               </a:lnSpc>
@@ -6298,6 +6464,7 @@
                   </a:solidFill>
                 </a:uFill>
                 <a:latin typeface="Arial"/>
+                <a:ea typeface="DejaVu Sans"/>
               </a:rPr>
               <a:t>Följer ett Use-case diagram</a:t>
             </a:r>
@@ -6314,7 +6481,7 @@
             </a:endParaRPr>
           </a:p>
           <a:p>
-            <a:pPr marL="432000" indent="-323640">
+            <a:pPr marL="432000" indent="-323280">
               <a:lnSpc>
                 <a:spcPct val="100000"/>
               </a:lnSpc>
@@ -6339,6 +6506,7 @@
                   </a:solidFill>
                 </a:uFill>
                 <a:latin typeface="Arial"/>
+                <a:ea typeface="DejaVu Sans"/>
               </a:rPr>
               <a:t>Följer ett klass diagram</a:t>
             </a:r>
@@ -6355,7 +6523,7 @@
             </a:endParaRPr>
           </a:p>
           <a:p>
-            <a:pPr marL="432000" indent="-323640">
+            <a:pPr marL="432000" indent="-323280">
               <a:lnSpc>
                 <a:spcPct val="100000"/>
               </a:lnSpc>
@@ -6380,6 +6548,7 @@
                   </a:solidFill>
                 </a:uFill>
                 <a:latin typeface="Arial"/>
+                <a:ea typeface="DejaVu Sans"/>
               </a:rPr>
               <a:t>Fyra sekvensdiagram som härleder hur metoderna fungerar </a:t>
             </a:r>
@@ -6396,7 +6565,7 @@
             </a:endParaRPr>
           </a:p>
           <a:p>
-            <a:pPr marL="432000" indent="-323640">
+            <a:pPr marL="432000" indent="-323280">
               <a:lnSpc>
                 <a:spcPct val="100000"/>
               </a:lnSpc>
@@ -6421,6 +6590,7 @@
                   </a:solidFill>
                 </a:uFill>
                 <a:latin typeface="Arial"/>
+                <a:ea typeface="DejaVu Sans"/>
               </a:rPr>
               <a:t>Ett EER diagram för databasen</a:t>
             </a:r>
@@ -6437,7 +6607,7 @@
             </a:endParaRPr>
           </a:p>
           <a:p>
-            <a:pPr marL="432000" indent="-323640">
+            <a:pPr marL="432000" indent="-323280">
               <a:lnSpc>
                 <a:spcPct val="100000"/>
               </a:lnSpc>
@@ -6462,6 +6632,7 @@
                   </a:solidFill>
                 </a:uFill>
                 <a:latin typeface="Arial"/>
+                <a:ea typeface="DejaVu Sans"/>
               </a:rPr>
               <a:t>Olyckligtvis blev det mycket att omdesigna </a:t>
             </a:r>
@@ -6537,7 +6708,7 @@
         <p:spPr>
           <a:xfrm>
             <a:off x="504000" y="216000"/>
-            <a:ext cx="9071640" cy="647640"/>
+            <a:ext cx="9071280" cy="647280"/>
           </a:xfrm>
           <a:prstGeom prst="rect">
             <a:avLst/>
@@ -6572,6 +6743,7 @@
                   </a:solidFill>
                 </a:uFill>
                 <a:latin typeface="Arial"/>
+                <a:ea typeface="DejaVu Sans"/>
               </a:rPr>
               <a:t>Use Case diagram</a:t>
             </a:r>
@@ -6598,7 +6770,7 @@
         <p:spPr>
           <a:xfrm>
             <a:off x="504000" y="1368000"/>
-            <a:ext cx="9071640" cy="3287880"/>
+            <a:ext cx="9071280" cy="3287520"/>
           </a:xfrm>
           <a:prstGeom prst="rect">
             <a:avLst/>
@@ -6628,7 +6800,7 @@
         <p:spPr>
           <a:xfrm>
             <a:off x="1152000" y="911520"/>
-            <a:ext cx="7920720" cy="4488480"/>
+            <a:ext cx="7920360" cy="4488120"/>
           </a:xfrm>
           <a:prstGeom prst="rect">
             <a:avLst/>
@@ -6696,7 +6868,7 @@
         <p:spPr>
           <a:xfrm>
             <a:off x="504000" y="216000"/>
-            <a:ext cx="9071640" cy="647640"/>
+            <a:ext cx="9071280" cy="647280"/>
           </a:xfrm>
           <a:prstGeom prst="rect">
             <a:avLst/>
@@ -6731,6 +6903,7 @@
                   </a:solidFill>
                 </a:uFill>
                 <a:latin typeface="Arial"/>
+                <a:ea typeface="DejaVu Sans"/>
               </a:rPr>
               <a:t>Klass diagram</a:t>
             </a:r>
@@ -6757,7 +6930,7 @@
         <p:spPr>
           <a:xfrm>
             <a:off x="504000" y="1368000"/>
-            <a:ext cx="9071640" cy="3287880"/>
+            <a:ext cx="9071280" cy="3287520"/>
           </a:xfrm>
           <a:prstGeom prst="rect">
             <a:avLst/>
@@ -6774,6 +6947,29 @@
           <a:fontRef idx="minor"/>
         </p:style>
       </p:sp>
+      <p:pic>
+        <p:nvPicPr>
+          <p:cNvPr id="92" name="" descr=""/>
+          <p:cNvPicPr/>
+          <p:nvPr/>
+        </p:nvPicPr>
+        <p:blipFill>
+          <a:blip r:embed="rId1"/>
+          <a:stretch/>
+        </p:blipFill>
+        <p:spPr>
+          <a:xfrm>
+            <a:off x="3456000" y="992160"/>
+            <a:ext cx="3600000" cy="4479840"/>
+          </a:xfrm>
+          <a:prstGeom prst="rect">
+            <a:avLst/>
+          </a:prstGeom>
+          <a:ln>
+            <a:noFill/>
+          </a:ln>
+        </p:spPr>
+      </p:pic>
     </p:spTree>
   </p:cSld>
   <p:timing>
@@ -6825,14 +7021,14 @@
       </p:grpSpPr>
       <p:sp>
         <p:nvSpPr>
-          <p:cNvPr id="92" name="CustomShape 1"/>
-          <p:cNvSpPr/>
+          <p:cNvPr id="93" name="TextShape 1"/>
+          <p:cNvSpPr txBox="1"/>
           <p:nvPr/>
         </p:nvSpPr>
         <p:spPr>
           <a:xfrm>
-            <a:off x="504000" y="216000"/>
-            <a:ext cx="9071640" cy="647640"/>
+            <a:off x="3456000" y="306720"/>
+            <a:ext cx="3045960" cy="557280"/>
           </a:xfrm>
           <a:prstGeom prst="rect">
             <a:avLst/>
@@ -6842,14 +7038,8 @@
             <a:noFill/>
           </a:ln>
         </p:spPr>
-        <p:style>
-          <a:lnRef idx="0"/>
-          <a:fillRef idx="0"/>
-          <a:effectRef idx="0"/>
-          <a:fontRef idx="minor"/>
-        </p:style>
-        <p:txBody>
-          <a:bodyPr lIns="0" rIns="0" tIns="0" bIns="0" anchor="ctr"/>
+        <p:txBody>
+          <a:bodyPr lIns="90000" rIns="90000" tIns="45000" bIns="45000"/>
           <a:p>
             <a:pPr algn="ctr">
               <a:lnSpc>
@@ -6867,8 +7057,9 @@
                   </a:solidFill>
                 </a:uFill>
                 <a:latin typeface="Arial"/>
+                <a:ea typeface="DejaVu Sans"/>
               </a:rPr>
-              <a:t>Sekvens diagram</a:t>
+              <a:t>Klass diagram</a:t>
             </a:r>
             <a:endParaRPr b="0" lang="sv-SE" sz="3300" spc="-1" strike="noStrike">
               <a:solidFill>
@@ -6886,7 +7077,7 @@
       </p:sp>
       <p:pic>
         <p:nvPicPr>
-          <p:cNvPr id="93" name="" descr=""/>
+          <p:cNvPr id="94" name="" descr=""/>
           <p:cNvPicPr/>
           <p:nvPr/>
         </p:nvPicPr>
@@ -6896,8 +7087,8 @@
         </p:blipFill>
         <p:spPr>
           <a:xfrm>
-            <a:off x="2511000" y="1032120"/>
-            <a:ext cx="4760640" cy="4439520"/>
+            <a:off x="2304000" y="834120"/>
+            <a:ext cx="4845240" cy="4421880"/>
           </a:xfrm>
           <a:prstGeom prst="rect">
             <a:avLst/>
@@ -6958,14 +7149,14 @@
       </p:grpSpPr>
       <p:sp>
         <p:nvSpPr>
-          <p:cNvPr id="94" name="CustomShape 1"/>
+          <p:cNvPr id="95" name="CustomShape 1"/>
           <p:cNvSpPr/>
           <p:nvPr/>
         </p:nvSpPr>
         <p:spPr>
           <a:xfrm>
             <a:off x="504000" y="216000"/>
-            <a:ext cx="9071640" cy="647640"/>
+            <a:ext cx="9071280" cy="647280"/>
           </a:xfrm>
           <a:prstGeom prst="rect">
             <a:avLst/>
@@ -7000,8 +7191,9 @@
                   </a:solidFill>
                 </a:uFill>
                 <a:latin typeface="Arial"/>
+                <a:ea typeface="DejaVu Sans"/>
               </a:rPr>
-              <a:t>EER</a:t>
+              <a:t>Sekvens diagram</a:t>
             </a:r>
             <a:endParaRPr b="0" lang="sv-SE" sz="3300" spc="-1" strike="noStrike">
               <a:solidFill>
@@ -7019,7 +7211,7 @@
       </p:sp>
       <p:pic>
         <p:nvPicPr>
-          <p:cNvPr id="95" name="" descr=""/>
+          <p:cNvPr id="96" name="" descr=""/>
           <p:cNvPicPr/>
           <p:nvPr/>
         </p:nvPicPr>
@@ -7029,8 +7221,8 @@
         </p:blipFill>
         <p:spPr>
           <a:xfrm>
-            <a:off x="2232000" y="1080000"/>
-            <a:ext cx="5687640" cy="4348800"/>
+            <a:off x="2511000" y="1032120"/>
+            <a:ext cx="4760280" cy="4439160"/>
           </a:xfrm>
           <a:prstGeom prst="rect">
             <a:avLst/>
